--- a/presentation.pptx
+++ b/presentation.pptx
@@ -9,16 +9,16 @@
     <p:sldId id="257" r:id="rId3"/>
     <p:sldId id="258" r:id="rId4"/>
     <p:sldId id="259" r:id="rId5"/>
-    <p:sldId id="261" r:id="rId6"/>
-    <p:sldId id="262" r:id="rId7"/>
-    <p:sldId id="263" r:id="rId8"/>
-    <p:sldId id="264" r:id="rId9"/>
-    <p:sldId id="265" r:id="rId10"/>
-    <p:sldId id="266" r:id="rId11"/>
-    <p:sldId id="267" r:id="rId12"/>
-    <p:sldId id="272" r:id="rId13"/>
-    <p:sldId id="271" r:id="rId14"/>
-    <p:sldId id="275" r:id="rId15"/>
+    <p:sldId id="276" r:id="rId6"/>
+    <p:sldId id="261" r:id="rId7"/>
+    <p:sldId id="262" r:id="rId8"/>
+    <p:sldId id="263" r:id="rId9"/>
+    <p:sldId id="264" r:id="rId10"/>
+    <p:sldId id="265" r:id="rId11"/>
+    <p:sldId id="266" r:id="rId12"/>
+    <p:sldId id="275" r:id="rId13"/>
+    <p:sldId id="267" r:id="rId14"/>
+    <p:sldId id="272" r:id="rId15"/>
     <p:sldId id="274" r:id="rId16"/>
     <p:sldId id="270" r:id="rId17"/>
   </p:sldIdLst>
@@ -4043,604 +4043,837 @@
           <a:p>
             <a:pPr algn="r"/>
             <a:r>
-              <a:rPr lang="en-GB" dirty="0" smtClean="0"/>
-              <a:t>Mathematics of </a:t>
-            </a:r>
-            <a:r>
               <a:rPr lang="en-GB" dirty="0" err="1" smtClean="0"/>
               <a:t>Kalman</a:t>
             </a:r>
             <a:r>
               <a:rPr lang="en-GB" dirty="0" smtClean="0"/>
-              <a:t> Filter</a:t>
+              <a:t> Filter Algorithm</a:t>
             </a:r>
             <a:endParaRPr lang="en-GB" dirty="0"/>
           </a:p>
         </p:txBody>
       </p:sp>
-      <p:pic>
-        <p:nvPicPr>
-          <p:cNvPr id="3074" name="Picture 2" descr="\\psf\Home\Desktop\f7ea760f45dd4cdd982a41f80dd38df2.png"/>
-          <p:cNvPicPr>
-            <a:picLocks noGrp="1" noChangeAspect="1" noChangeArrowheads="1"/>
-          </p:cNvPicPr>
-          <p:nvPr>
-            <p:ph idx="1"/>
-          </p:nvPr>
-        </p:nvPicPr>
-        <p:blipFill>
-          <a:blip r:embed="rId2" cstate="print"/>
-          <a:srcRect/>
-          <a:stretch>
-            <a:fillRect/>
-          </a:stretch>
-        </p:blipFill>
-        <p:spPr bwMode="auto">
-          <a:xfrm>
-            <a:off x="5114925" y="1981200"/>
-            <a:ext cx="2581275" cy="200025"/>
+      <p:sp>
+        <p:nvSpPr>
+          <p:cNvPr id="27" name="Rectangle 26"/>
+          <p:cNvSpPr/>
+          <p:nvPr/>
+        </p:nvSpPr>
+        <p:spPr>
+          <a:xfrm>
+            <a:off x="2667000" y="1905000"/>
+            <a:ext cx="914400" cy="542925"/>
           </a:xfrm>
           <a:prstGeom prst="rect">
             <a:avLst/>
           </a:prstGeom>
-          <a:noFill/>
-        </p:spPr>
-      </p:pic>
-      <p:pic>
-        <p:nvPicPr>
-          <p:cNvPr id="3075" name="Picture 3" descr="\\psf\Home\Desktop\25a5a5dd537c2c68f87e678c3dccc5b8.png"/>
-          <p:cNvPicPr>
-            <a:picLocks noChangeAspect="1" noChangeArrowheads="1"/>
-          </p:cNvPicPr>
+        </p:spPr>
+        <p:style>
+          <a:lnRef idx="2">
+            <a:schemeClr val="accent1">
+              <a:shade val="50000"/>
+            </a:schemeClr>
+          </a:lnRef>
+          <a:fillRef idx="1">
+            <a:schemeClr val="accent1"/>
+          </a:fillRef>
+          <a:effectRef idx="0">
+            <a:schemeClr val="accent1"/>
+          </a:effectRef>
+          <a:fontRef idx="minor">
+            <a:schemeClr val="lt1"/>
+          </a:fontRef>
+        </p:style>
+        <p:txBody>
+          <a:bodyPr rtlCol="0" anchor="ctr"/>
+          <a:lstStyle/>
+          <a:p>
+            <a:pPr algn="ctr"/>
+            <a:r>
+              <a:rPr lang="en-GB" sz="1100" dirty="0" smtClean="0"/>
+              <a:t>P</a:t>
+            </a:r>
+            <a:r>
+              <a:rPr lang="en-GB" sz="1100" baseline="-25000" dirty="0" smtClean="0"/>
+              <a:t>k-1|k-1</a:t>
+            </a:r>
+          </a:p>
+          <a:p>
+            <a:pPr algn="ctr"/>
+            <a:r>
+              <a:rPr lang="en-GB" sz="1100" dirty="0"/>
+              <a:t>x</a:t>
+            </a:r>
+            <a:r>
+              <a:rPr lang="en-GB" sz="1100" baseline="-25000" dirty="0" smtClean="0"/>
+              <a:t>K-1|k-1</a:t>
+            </a:r>
+            <a:r>
+              <a:rPr lang="en-US" sz="1100" dirty="0" smtClean="0"/>
+              <a:t>    </a:t>
+            </a:r>
+            <a:endParaRPr lang="en-GB" sz="1100" dirty="0"/>
+          </a:p>
+        </p:txBody>
+      </p:sp>
+      <p:sp>
+        <p:nvSpPr>
+          <p:cNvPr id="28" name="Oval 27"/>
+          <p:cNvSpPr/>
           <p:nvPr/>
-        </p:nvPicPr>
-        <p:blipFill>
-          <a:blip r:embed="rId3" cstate="print"/>
-          <a:srcRect/>
-          <a:stretch>
-            <a:fillRect/>
-          </a:stretch>
-        </p:blipFill>
-        <p:spPr bwMode="auto">
-          <a:xfrm>
-            <a:off x="5105400" y="2286000"/>
-            <a:ext cx="2362200" cy="228600"/>
+        </p:nvSpPr>
+        <p:spPr>
+          <a:xfrm>
+            <a:off x="533400" y="1676400"/>
+            <a:ext cx="1524000" cy="990600"/>
+          </a:xfrm>
+          <a:prstGeom prst="ellipse">
+            <a:avLst/>
+          </a:prstGeom>
+        </p:spPr>
+        <p:style>
+          <a:lnRef idx="2">
+            <a:schemeClr val="accent1">
+              <a:shade val="50000"/>
+            </a:schemeClr>
+          </a:lnRef>
+          <a:fillRef idx="1">
+            <a:schemeClr val="accent1"/>
+          </a:fillRef>
+          <a:effectRef idx="0">
+            <a:schemeClr val="accent1"/>
+          </a:effectRef>
+          <a:fontRef idx="minor">
+            <a:schemeClr val="lt1"/>
+          </a:fontRef>
+        </p:style>
+        <p:txBody>
+          <a:bodyPr rtlCol="0" anchor="ctr"/>
+          <a:lstStyle/>
+          <a:p>
+            <a:pPr algn="ctr"/>
+            <a:r>
+              <a:rPr lang="en-GB" sz="1200" dirty="0" smtClean="0"/>
+              <a:t>Prior State Knowledge</a:t>
+            </a:r>
+            <a:endParaRPr lang="en-GB" sz="1200" dirty="0"/>
+          </a:p>
+        </p:txBody>
+      </p:sp>
+      <p:cxnSp>
+        <p:nvCxnSpPr>
+          <p:cNvPr id="29" name="Straight Arrow Connector 28"/>
+          <p:cNvCxnSpPr>
+            <a:stCxn id="28" idx="6"/>
+            <a:endCxn id="27" idx="1"/>
+          </p:cNvCxnSpPr>
+          <p:nvPr/>
+        </p:nvCxnSpPr>
+        <p:spPr>
+          <a:xfrm>
+            <a:off x="2057400" y="2171700"/>
+            <a:ext cx="609600" cy="4763"/>
+          </a:xfrm>
+          <a:prstGeom prst="straightConnector1">
+            <a:avLst/>
+          </a:prstGeom>
+          <a:ln>
+            <a:tailEnd type="arrow"/>
+          </a:ln>
+        </p:spPr>
+        <p:style>
+          <a:lnRef idx="1">
+            <a:schemeClr val="accent1"/>
+          </a:lnRef>
+          <a:fillRef idx="0">
+            <a:schemeClr val="accent1"/>
+          </a:fillRef>
+          <a:effectRef idx="0">
+            <a:schemeClr val="accent1"/>
+          </a:effectRef>
+          <a:fontRef idx="minor">
+            <a:schemeClr val="tx1"/>
+          </a:fontRef>
+        </p:style>
+      </p:cxnSp>
+      <p:sp>
+        <p:nvSpPr>
+          <p:cNvPr id="30" name="Oval 29"/>
+          <p:cNvSpPr/>
+          <p:nvPr/>
+        </p:nvSpPr>
+        <p:spPr>
+          <a:xfrm>
+            <a:off x="4876800" y="1676400"/>
+            <a:ext cx="1524000" cy="990600"/>
+          </a:xfrm>
+          <a:prstGeom prst="ellipse">
+            <a:avLst/>
+          </a:prstGeom>
+        </p:spPr>
+        <p:style>
+          <a:lnRef idx="2">
+            <a:schemeClr val="accent1">
+              <a:shade val="50000"/>
+            </a:schemeClr>
+          </a:lnRef>
+          <a:fillRef idx="1">
+            <a:schemeClr val="accent1"/>
+          </a:fillRef>
+          <a:effectRef idx="0">
+            <a:schemeClr val="accent1"/>
+          </a:effectRef>
+          <a:fontRef idx="minor">
+            <a:schemeClr val="lt1"/>
+          </a:fontRef>
+        </p:style>
+        <p:txBody>
+          <a:bodyPr rtlCol="0" anchor="ctr"/>
+          <a:lstStyle/>
+          <a:p>
+            <a:pPr algn="ctr"/>
+            <a:r>
+              <a:rPr lang="en-GB" sz="1100" dirty="0" smtClean="0"/>
+              <a:t>Prediction step based on motion model</a:t>
+            </a:r>
+            <a:endParaRPr lang="en-GB" sz="1100" dirty="0"/>
+          </a:p>
+        </p:txBody>
+      </p:sp>
+      <p:cxnSp>
+        <p:nvCxnSpPr>
+          <p:cNvPr id="31" name="Straight Arrow Connector 30"/>
+          <p:cNvCxnSpPr>
+            <a:stCxn id="27" idx="3"/>
+            <a:endCxn id="30" idx="2"/>
+          </p:cNvCxnSpPr>
+          <p:nvPr/>
+        </p:nvCxnSpPr>
+        <p:spPr>
+          <a:xfrm flipV="1">
+            <a:off x="3581400" y="2171700"/>
+            <a:ext cx="1295400" cy="4763"/>
+          </a:xfrm>
+          <a:prstGeom prst="straightConnector1">
+            <a:avLst/>
+          </a:prstGeom>
+          <a:ln>
+            <a:tailEnd type="arrow"/>
+          </a:ln>
+        </p:spPr>
+        <p:style>
+          <a:lnRef idx="1">
+            <a:schemeClr val="accent1"/>
+          </a:lnRef>
+          <a:fillRef idx="0">
+            <a:schemeClr val="accent1"/>
+          </a:fillRef>
+          <a:effectRef idx="0">
+            <a:schemeClr val="accent1"/>
+          </a:effectRef>
+          <a:fontRef idx="minor">
+            <a:schemeClr val="tx1"/>
+          </a:fontRef>
+        </p:style>
+      </p:cxnSp>
+      <p:sp>
+        <p:nvSpPr>
+          <p:cNvPr id="32" name="Rectangle 31"/>
+          <p:cNvSpPr/>
+          <p:nvPr/>
+        </p:nvSpPr>
+        <p:spPr>
+          <a:xfrm>
+            <a:off x="5181600" y="2895600"/>
+            <a:ext cx="911942" cy="557213"/>
           </a:xfrm>
           <a:prstGeom prst="rect">
             <a:avLst/>
           </a:prstGeom>
-          <a:noFill/>
-        </p:spPr>
-      </p:pic>
-      <p:pic>
-        <p:nvPicPr>
-          <p:cNvPr id="3076" name="Picture 4" descr="\\psf\Home\Desktop\94dedb0aa8b611741e57b2fe40cd9be3.png"/>
-          <p:cNvPicPr>
-            <a:picLocks noChangeAspect="1" noChangeArrowheads="1"/>
-          </p:cNvPicPr>
+        </p:spPr>
+        <p:style>
+          <a:lnRef idx="2">
+            <a:schemeClr val="accent1">
+              <a:shade val="50000"/>
+            </a:schemeClr>
+          </a:lnRef>
+          <a:fillRef idx="1">
+            <a:schemeClr val="accent1"/>
+          </a:fillRef>
+          <a:effectRef idx="0">
+            <a:schemeClr val="accent1"/>
+          </a:effectRef>
+          <a:fontRef idx="minor">
+            <a:schemeClr val="lt1"/>
+          </a:fontRef>
+        </p:style>
+        <p:txBody>
+          <a:bodyPr rtlCol="0" anchor="ctr"/>
+          <a:lstStyle/>
+          <a:p>
+            <a:pPr algn="ctr"/>
+            <a:r>
+              <a:rPr lang="en-GB" sz="1100" dirty="0" smtClean="0"/>
+              <a:t>P</a:t>
+            </a:r>
+            <a:r>
+              <a:rPr lang="en-GB" sz="1100" baseline="-25000" dirty="0" smtClean="0"/>
+              <a:t>k|k-1</a:t>
+            </a:r>
+          </a:p>
+          <a:p>
+            <a:pPr algn="ctr"/>
+            <a:r>
+              <a:rPr lang="en-GB" sz="1100" dirty="0" smtClean="0"/>
+              <a:t>x</a:t>
+            </a:r>
+            <a:r>
+              <a:rPr lang="en-GB" sz="1100" baseline="-25000" dirty="0" smtClean="0"/>
+              <a:t>K|k-1</a:t>
+            </a:r>
+            <a:r>
+              <a:rPr lang="en-US" sz="1100" dirty="0" smtClean="0"/>
+              <a:t>    </a:t>
+            </a:r>
+            <a:endParaRPr lang="en-GB" sz="1100" dirty="0"/>
+          </a:p>
+        </p:txBody>
+      </p:sp>
+      <p:cxnSp>
+        <p:nvCxnSpPr>
+          <p:cNvPr id="33" name="Straight Arrow Connector 32"/>
+          <p:cNvCxnSpPr>
+            <a:stCxn id="30" idx="4"/>
+            <a:endCxn id="32" idx="0"/>
+          </p:cNvCxnSpPr>
           <p:nvPr/>
-        </p:nvPicPr>
-        <p:blipFill>
-          <a:blip r:embed="rId4" cstate="print"/>
-          <a:srcRect/>
-          <a:stretch>
-            <a:fillRect/>
-          </a:stretch>
-        </p:blipFill>
-        <p:spPr bwMode="auto">
-          <a:xfrm>
-            <a:off x="5153025" y="2971800"/>
-            <a:ext cx="1552575" cy="200025"/>
+        </p:nvCxnSpPr>
+        <p:spPr>
+          <a:xfrm flipH="1">
+            <a:off x="5637571" y="2667000"/>
+            <a:ext cx="1229" cy="228600"/>
+          </a:xfrm>
+          <a:prstGeom prst="straightConnector1">
+            <a:avLst/>
+          </a:prstGeom>
+          <a:ln>
+            <a:tailEnd type="arrow"/>
+          </a:ln>
+        </p:spPr>
+        <p:style>
+          <a:lnRef idx="1">
+            <a:schemeClr val="accent1"/>
+          </a:lnRef>
+          <a:fillRef idx="0">
+            <a:schemeClr val="accent1"/>
+          </a:fillRef>
+          <a:effectRef idx="0">
+            <a:schemeClr val="accent1"/>
+          </a:effectRef>
+          <a:fontRef idx="minor">
+            <a:schemeClr val="tx1"/>
+          </a:fontRef>
+        </p:style>
+      </p:cxnSp>
+      <p:sp>
+        <p:nvSpPr>
+          <p:cNvPr id="34" name="Oval 33"/>
+          <p:cNvSpPr/>
+          <p:nvPr/>
+        </p:nvSpPr>
+        <p:spPr>
+          <a:xfrm>
+            <a:off x="4876800" y="3733800"/>
+            <a:ext cx="1524000" cy="990600"/>
+          </a:xfrm>
+          <a:prstGeom prst="ellipse">
+            <a:avLst/>
+          </a:prstGeom>
+        </p:spPr>
+        <p:style>
+          <a:lnRef idx="2">
+            <a:schemeClr val="accent1">
+              <a:shade val="50000"/>
+            </a:schemeClr>
+          </a:lnRef>
+          <a:fillRef idx="1">
+            <a:schemeClr val="accent1"/>
+          </a:fillRef>
+          <a:effectRef idx="0">
+            <a:schemeClr val="accent1"/>
+          </a:effectRef>
+          <a:fontRef idx="minor">
+            <a:schemeClr val="lt1"/>
+          </a:fontRef>
+        </p:style>
+        <p:txBody>
+          <a:bodyPr rtlCol="0" anchor="ctr"/>
+          <a:lstStyle/>
+          <a:p>
+            <a:pPr algn="ctr"/>
+            <a:r>
+              <a:rPr lang="en-GB" sz="1100" dirty="0" smtClean="0"/>
+              <a:t>Update step </a:t>
+            </a:r>
+          </a:p>
+          <a:p>
+            <a:pPr algn="ctr"/>
+            <a:r>
+              <a:rPr lang="en-GB" sz="1100" dirty="0" smtClean="0"/>
+              <a:t>Compare prediction to  measurement</a:t>
+            </a:r>
+            <a:endParaRPr lang="en-GB" sz="1100" dirty="0"/>
+          </a:p>
+        </p:txBody>
+      </p:sp>
+      <p:cxnSp>
+        <p:nvCxnSpPr>
+          <p:cNvPr id="35" name="Straight Arrow Connector 34"/>
+          <p:cNvCxnSpPr>
+            <a:stCxn id="32" idx="2"/>
+            <a:endCxn id="34" idx="0"/>
+          </p:cNvCxnSpPr>
+          <p:nvPr/>
+        </p:nvCxnSpPr>
+        <p:spPr>
+          <a:xfrm>
+            <a:off x="5637571" y="3452813"/>
+            <a:ext cx="1229" cy="280987"/>
+          </a:xfrm>
+          <a:prstGeom prst="straightConnector1">
+            <a:avLst/>
+          </a:prstGeom>
+          <a:ln>
+            <a:tailEnd type="arrow"/>
+          </a:ln>
+        </p:spPr>
+        <p:style>
+          <a:lnRef idx="1">
+            <a:schemeClr val="accent1"/>
+          </a:lnRef>
+          <a:fillRef idx="0">
+            <a:schemeClr val="accent1"/>
+          </a:fillRef>
+          <a:effectRef idx="0">
+            <a:schemeClr val="accent1"/>
+          </a:effectRef>
+          <a:fontRef idx="minor">
+            <a:schemeClr val="tx1"/>
+          </a:fontRef>
+        </p:style>
+      </p:cxnSp>
+      <p:sp>
+        <p:nvSpPr>
+          <p:cNvPr id="36" name="Rectangle 35"/>
+          <p:cNvSpPr/>
+          <p:nvPr/>
+        </p:nvSpPr>
+        <p:spPr>
+          <a:xfrm>
+            <a:off x="7239000" y="3810000"/>
+            <a:ext cx="1260987" cy="866775"/>
           </a:xfrm>
           <a:prstGeom prst="rect">
             <a:avLst/>
           </a:prstGeom>
-          <a:noFill/>
-        </p:spPr>
-      </p:pic>
-      <p:pic>
-        <p:nvPicPr>
-          <p:cNvPr id="3077" name="Picture 5" descr="\\psf\Home\Desktop\1a33df39f1447f0b1c358f4d51e13a40.png"/>
-          <p:cNvPicPr>
-            <a:picLocks noChangeAspect="1" noChangeArrowheads="1"/>
-          </p:cNvPicPr>
+        </p:spPr>
+        <p:style>
+          <a:lnRef idx="2">
+            <a:schemeClr val="accent1">
+              <a:shade val="50000"/>
+            </a:schemeClr>
+          </a:lnRef>
+          <a:fillRef idx="1">
+            <a:schemeClr val="accent1"/>
+          </a:fillRef>
+          <a:effectRef idx="0">
+            <a:schemeClr val="accent1"/>
+          </a:effectRef>
+          <a:fontRef idx="minor">
+            <a:schemeClr val="lt1"/>
+          </a:fontRef>
+        </p:style>
+        <p:txBody>
+          <a:bodyPr rtlCol="0" anchor="ctr"/>
+          <a:lstStyle/>
+          <a:p>
+            <a:pPr algn="ctr"/>
+            <a:r>
+              <a:rPr lang="en-GB" sz="1100" dirty="0" smtClean="0"/>
+              <a:t>Measurements</a:t>
+            </a:r>
+            <a:endParaRPr lang="en-GB" sz="1100" baseline="-25000" dirty="0" smtClean="0"/>
+          </a:p>
+          <a:p>
+            <a:pPr algn="ctr"/>
+            <a:r>
+              <a:rPr lang="en-GB" sz="1100" dirty="0" smtClean="0"/>
+              <a:t>Extracted features/ Plane</a:t>
+            </a:r>
+            <a:r>
+              <a:rPr lang="en-US" sz="1100" dirty="0" smtClean="0"/>
+              <a:t>s</a:t>
+            </a:r>
+            <a:endParaRPr lang="en-GB" sz="1100" dirty="0"/>
+          </a:p>
+        </p:txBody>
+      </p:sp>
+      <p:sp>
+        <p:nvSpPr>
+          <p:cNvPr id="37" name="Rectangle 36"/>
+          <p:cNvSpPr/>
           <p:nvPr/>
-        </p:nvPicPr>
-        <p:blipFill>
-          <a:blip r:embed="rId5" cstate="print"/>
-          <a:srcRect/>
-          <a:stretch>
-            <a:fillRect/>
-          </a:stretch>
-        </p:blipFill>
-        <p:spPr bwMode="auto">
-          <a:xfrm>
-            <a:off x="5153025" y="3276600"/>
-            <a:ext cx="1933575" cy="228600"/>
+        </p:nvSpPr>
+        <p:spPr>
+          <a:xfrm>
+            <a:off x="2667000" y="3886200"/>
+            <a:ext cx="914400" cy="619125"/>
           </a:xfrm>
           <a:prstGeom prst="rect">
             <a:avLst/>
           </a:prstGeom>
-          <a:noFill/>
-        </p:spPr>
-      </p:pic>
-      <p:pic>
-        <p:nvPicPr>
-          <p:cNvPr id="3078" name="Picture 6" descr="\\psf\Home\Desktop\b9eb23558d548cb7f3bb2375398ba4ef.png"/>
-          <p:cNvPicPr>
-            <a:picLocks noChangeAspect="1" noChangeArrowheads="1"/>
-          </p:cNvPicPr>
+        </p:spPr>
+        <p:style>
+          <a:lnRef idx="2">
+            <a:schemeClr val="accent1">
+              <a:shade val="50000"/>
+            </a:schemeClr>
+          </a:lnRef>
+          <a:fillRef idx="1">
+            <a:schemeClr val="accent1"/>
+          </a:fillRef>
+          <a:effectRef idx="0">
+            <a:schemeClr val="accent1"/>
+          </a:effectRef>
+          <a:fontRef idx="minor">
+            <a:schemeClr val="lt1"/>
+          </a:fontRef>
+        </p:style>
+        <p:txBody>
+          <a:bodyPr rtlCol="0" anchor="ctr"/>
+          <a:lstStyle/>
+          <a:p>
+            <a:pPr algn="ctr"/>
+            <a:r>
+              <a:rPr lang="en-GB" sz="1100" dirty="0" err="1" smtClean="0"/>
+              <a:t>P</a:t>
+            </a:r>
+            <a:r>
+              <a:rPr lang="en-GB" sz="1100" baseline="-25000" dirty="0" err="1" smtClean="0"/>
+              <a:t>k|k</a:t>
+            </a:r>
+            <a:endParaRPr lang="en-GB" sz="1100" baseline="-25000" dirty="0" smtClean="0"/>
+          </a:p>
+          <a:p>
+            <a:pPr algn="ctr"/>
+            <a:r>
+              <a:rPr lang="en-GB" sz="1100" dirty="0" err="1" smtClean="0"/>
+              <a:t>x</a:t>
+            </a:r>
+            <a:r>
+              <a:rPr lang="en-GB" sz="1100" baseline="-25000" dirty="0" err="1" smtClean="0"/>
+              <a:t>K|k</a:t>
+            </a:r>
+            <a:r>
+              <a:rPr lang="en-US" sz="1100" dirty="0" smtClean="0"/>
+              <a:t>    </a:t>
+            </a:r>
+            <a:endParaRPr lang="en-GB" sz="1100" dirty="0"/>
+          </a:p>
+        </p:txBody>
+      </p:sp>
+      <p:sp>
+        <p:nvSpPr>
+          <p:cNvPr id="38" name="Rectangle 37"/>
+          <p:cNvSpPr/>
           <p:nvPr/>
-        </p:nvPicPr>
-        <p:blipFill>
-          <a:blip r:embed="rId6" cstate="print"/>
-          <a:srcRect/>
-          <a:stretch>
-            <a:fillRect/>
-          </a:stretch>
-        </p:blipFill>
-        <p:spPr bwMode="auto">
-          <a:xfrm>
-            <a:off x="5143500" y="3581400"/>
-            <a:ext cx="1562100" cy="228600"/>
+        </p:nvSpPr>
+        <p:spPr>
+          <a:xfrm>
+            <a:off x="2590800" y="2743200"/>
+            <a:ext cx="1066800" cy="804863"/>
           </a:xfrm>
           <a:prstGeom prst="rect">
             <a:avLst/>
           </a:prstGeom>
-          <a:noFill/>
-        </p:spPr>
-      </p:pic>
-      <p:pic>
-        <p:nvPicPr>
-          <p:cNvPr id="3079" name="Picture 7" descr="\\psf\Home\Desktop\bebb31e78e560130427c2f9aac0d0fff.png"/>
-          <p:cNvPicPr>
-            <a:picLocks noChangeAspect="1" noChangeArrowheads="1"/>
-          </p:cNvPicPr>
+        </p:spPr>
+        <p:style>
+          <a:lnRef idx="2">
+            <a:schemeClr val="accent1">
+              <a:shade val="50000"/>
+            </a:schemeClr>
+          </a:lnRef>
+          <a:fillRef idx="1">
+            <a:schemeClr val="accent1"/>
+          </a:fillRef>
+          <a:effectRef idx="0">
+            <a:schemeClr val="accent1"/>
+          </a:effectRef>
+          <a:fontRef idx="minor">
+            <a:schemeClr val="lt1"/>
+          </a:fontRef>
+        </p:style>
+        <p:txBody>
+          <a:bodyPr rtlCol="0" anchor="ctr"/>
+          <a:lstStyle/>
+          <a:p>
+            <a:pPr algn="ctr"/>
+            <a:r>
+              <a:rPr lang="en-GB" sz="1100" dirty="0" smtClean="0"/>
+              <a:t>Next </a:t>
+            </a:r>
+            <a:r>
+              <a:rPr lang="en-GB" sz="1100" dirty="0" err="1" smtClean="0"/>
+              <a:t>timestep</a:t>
+            </a:r>
+            <a:endParaRPr lang="en-GB" sz="1100" dirty="0" smtClean="0"/>
+          </a:p>
+          <a:p>
+            <a:pPr algn="ctr"/>
+            <a:r>
+              <a:rPr lang="en-GB" sz="1100" dirty="0" smtClean="0"/>
+              <a:t>K ←K+1</a:t>
+            </a:r>
+          </a:p>
+        </p:txBody>
+      </p:sp>
+      <p:cxnSp>
+        <p:nvCxnSpPr>
+          <p:cNvPr id="39" name="Straight Arrow Connector 38"/>
+          <p:cNvCxnSpPr>
+            <a:stCxn id="37" idx="0"/>
+            <a:endCxn id="38" idx="2"/>
+          </p:cNvCxnSpPr>
           <p:nvPr/>
-        </p:nvPicPr>
-        <p:blipFill>
-          <a:blip r:embed="rId7" cstate="print"/>
-          <a:srcRect/>
-          <a:stretch>
-            <a:fillRect/>
-          </a:stretch>
-        </p:blipFill>
-        <p:spPr bwMode="auto">
-          <a:xfrm>
-            <a:off x="5162550" y="3886200"/>
-            <a:ext cx="1695450" cy="200025"/>
-          </a:xfrm>
-          <a:prstGeom prst="rect">
+        </p:nvCxnSpPr>
+        <p:spPr>
+          <a:xfrm flipV="1">
+            <a:off x="3124200" y="3548063"/>
+            <a:ext cx="0" cy="338137"/>
+          </a:xfrm>
+          <a:prstGeom prst="straightConnector1">
             <a:avLst/>
           </a:prstGeom>
-          <a:noFill/>
-        </p:spPr>
-      </p:pic>
-      <p:pic>
-        <p:nvPicPr>
-          <p:cNvPr id="3080" name="Picture 8" descr="\\psf\Home\Desktop\96b934387acd18af06506e491fd3a5e2.png"/>
-          <p:cNvPicPr>
-            <a:picLocks noChangeAspect="1" noChangeArrowheads="1"/>
-          </p:cNvPicPr>
+          <a:ln>
+            <a:tailEnd type="arrow"/>
+          </a:ln>
+        </p:spPr>
+        <p:style>
+          <a:lnRef idx="1">
+            <a:schemeClr val="accent1"/>
+          </a:lnRef>
+          <a:fillRef idx="0">
+            <a:schemeClr val="accent1"/>
+          </a:fillRef>
+          <a:effectRef idx="0">
+            <a:schemeClr val="accent1"/>
+          </a:effectRef>
+          <a:fontRef idx="minor">
+            <a:schemeClr val="tx1"/>
+          </a:fontRef>
+        </p:style>
+      </p:cxnSp>
+      <p:cxnSp>
+        <p:nvCxnSpPr>
+          <p:cNvPr id="40" name="Straight Arrow Connector 39"/>
+          <p:cNvCxnSpPr>
+            <a:stCxn id="38" idx="0"/>
+            <a:endCxn id="27" idx="2"/>
+          </p:cNvCxnSpPr>
           <p:nvPr/>
-        </p:nvPicPr>
-        <p:blipFill>
-          <a:blip r:embed="rId8" cstate="print"/>
-          <a:srcRect/>
-          <a:stretch>
-            <a:fillRect/>
-          </a:stretch>
-        </p:blipFill>
-        <p:spPr bwMode="auto">
-          <a:xfrm>
-            <a:off x="5191125" y="4191000"/>
-            <a:ext cx="2047875" cy="209550"/>
-          </a:xfrm>
-          <a:prstGeom prst="rect">
+        </p:nvCxnSpPr>
+        <p:spPr>
+          <a:xfrm flipV="1">
+            <a:off x="3124200" y="2447925"/>
+            <a:ext cx="0" cy="295275"/>
+          </a:xfrm>
+          <a:prstGeom prst="straightConnector1">
             <a:avLst/>
           </a:prstGeom>
-          <a:noFill/>
-        </p:spPr>
-      </p:pic>
-      <p:sp>
-        <p:nvSpPr>
-          <p:cNvPr id="11" name="Content Placeholder 5"/>
-          <p:cNvSpPr txBox="1">
-            <a:spLocks/>
-          </p:cNvSpPr>
+          <a:ln>
+            <a:tailEnd type="arrow"/>
+          </a:ln>
+        </p:spPr>
+        <p:style>
+          <a:lnRef idx="1">
+            <a:schemeClr val="accent1"/>
+          </a:lnRef>
+          <a:fillRef idx="0">
+            <a:schemeClr val="accent1"/>
+          </a:fillRef>
+          <a:effectRef idx="0">
+            <a:schemeClr val="accent1"/>
+          </a:effectRef>
+          <a:fontRef idx="minor">
+            <a:schemeClr val="tx1"/>
+          </a:fontRef>
+        </p:style>
+      </p:cxnSp>
+      <p:cxnSp>
+        <p:nvCxnSpPr>
+          <p:cNvPr id="41" name="Straight Arrow Connector 40"/>
+          <p:cNvCxnSpPr>
+            <a:stCxn id="34" idx="2"/>
+            <a:endCxn id="37" idx="3"/>
+          </p:cNvCxnSpPr>
           <p:nvPr/>
-        </p:nvSpPr>
-        <p:spPr>
-          <a:xfrm>
-            <a:off x="457200" y="1600200"/>
-            <a:ext cx="4648200" cy="4187952"/>
-          </a:xfrm>
-          <a:prstGeom prst="rect">
+        </p:nvCxnSpPr>
+        <p:spPr>
+          <a:xfrm flipH="1" flipV="1">
+            <a:off x="3581400" y="4195763"/>
+            <a:ext cx="1295400" cy="33337"/>
+          </a:xfrm>
+          <a:prstGeom prst="straightConnector1">
             <a:avLst/>
           </a:prstGeom>
-        </p:spPr>
-        <p:txBody>
-          <a:bodyPr vert="horz" lIns="182880" tIns="91440">
-            <a:normAutofit/>
-          </a:bodyPr>
+          <a:ln>
+            <a:tailEnd type="arrow"/>
+          </a:ln>
+        </p:spPr>
+        <p:style>
+          <a:lnRef idx="1">
+            <a:schemeClr val="accent1"/>
+          </a:lnRef>
+          <a:fillRef idx="0">
+            <a:schemeClr val="accent1"/>
+          </a:fillRef>
+          <a:effectRef idx="0">
+            <a:schemeClr val="accent1"/>
+          </a:effectRef>
+          <a:fontRef idx="minor">
+            <a:schemeClr val="tx1"/>
+          </a:fontRef>
+        </p:style>
+      </p:cxnSp>
+      <p:sp>
+        <p:nvSpPr>
+          <p:cNvPr id="42" name="Oval 41"/>
+          <p:cNvSpPr/>
+          <p:nvPr/>
+        </p:nvSpPr>
+        <p:spPr>
+          <a:xfrm>
+            <a:off x="2362200" y="4800600"/>
+            <a:ext cx="1524000" cy="990600"/>
+          </a:xfrm>
+          <a:prstGeom prst="ellipse">
+            <a:avLst/>
+          </a:prstGeom>
+        </p:spPr>
+        <p:style>
+          <a:lnRef idx="2">
+            <a:schemeClr val="accent1">
+              <a:shade val="50000"/>
+            </a:schemeClr>
+          </a:lnRef>
+          <a:fillRef idx="1">
+            <a:schemeClr val="accent1"/>
+          </a:fillRef>
+          <a:effectRef idx="0">
+            <a:schemeClr val="accent1"/>
+          </a:effectRef>
+          <a:fontRef idx="minor">
+            <a:schemeClr val="lt1"/>
+          </a:fontRef>
+        </p:style>
+        <p:txBody>
+          <a:bodyPr rtlCol="0" anchor="ctr"/>
           <a:lstStyle/>
           <a:p>
-            <a:pPr marL="265176" marR="0" lvl="0" indent="-265176" algn="l" defTabSz="914400" rtl="0" eaLnBrk="1" fontAlgn="auto" latinLnBrk="0" hangingPunct="1">
-              <a:lnSpc>
-                <a:spcPct val="100000"/>
-              </a:lnSpc>
-              <a:spcBef>
-                <a:spcPts val="250"/>
-              </a:spcBef>
-              <a:spcAft>
-                <a:spcPts val="0"/>
-              </a:spcAft>
-              <a:buClr>
-                <a:schemeClr val="accent1"/>
-              </a:buClr>
-              <a:buSzPct val="80000"/>
-              <a:buFont typeface="Wingdings 2"/>
-              <a:buChar char=""/>
-              <a:tabLst/>
-              <a:defRPr/>
-            </a:pPr>
-            <a:r>
-              <a:rPr kumimoji="0" lang="en-GB" sz="1600" b="0" i="0" u="none" strike="noStrike" kern="1200" cap="none" spc="0" normalizeH="0" baseline="0" noProof="0" dirty="0" smtClean="0">
-                <a:ln>
-                  <a:noFill/>
-                </a:ln>
-                <a:solidFill>
-                  <a:schemeClr val="tx1"/>
-                </a:solidFill>
-                <a:effectLst/>
-                <a:uLnTx/>
-                <a:uFillTx/>
-                <a:latin typeface="+mn-lt"/>
-                <a:ea typeface="+mn-ea"/>
-                <a:cs typeface="+mn-cs"/>
-              </a:rPr>
-              <a:t>Predict</a:t>
-            </a:r>
-            <a:r>
-              <a:rPr kumimoji="0" lang="en-GB" sz="1600" b="0" i="0" u="none" strike="noStrike" kern="1200" cap="none" spc="0" normalizeH="0" noProof="0" dirty="0" smtClean="0">
-                <a:ln>
-                  <a:noFill/>
-                </a:ln>
-                <a:solidFill>
-                  <a:schemeClr val="tx1"/>
-                </a:solidFill>
-                <a:effectLst/>
-                <a:uLnTx/>
-                <a:uFillTx/>
-                <a:latin typeface="+mn-lt"/>
-                <a:ea typeface="+mn-ea"/>
-                <a:cs typeface="+mn-cs"/>
-              </a:rPr>
-              <a:t> Stage</a:t>
-            </a:r>
-          </a:p>
-          <a:p>
-            <a:pPr marL="722376" lvl="1" indent="-265176">
-              <a:spcBef>
-                <a:spcPts val="250"/>
-              </a:spcBef>
-              <a:buClr>
-                <a:schemeClr val="accent1"/>
-              </a:buClr>
-              <a:buSzPct val="80000"/>
-              <a:buFont typeface="Courier New" pitchFamily="49" charset="0"/>
-              <a:buChar char="o"/>
-            </a:pPr>
-            <a:r>
-              <a:rPr lang="en-GB" sz="1600" baseline="0" dirty="0" smtClean="0"/>
-              <a:t>Predicted</a:t>
-            </a:r>
-            <a:r>
-              <a:rPr lang="en-GB" sz="1600" dirty="0" smtClean="0"/>
-              <a:t> state estimate</a:t>
-            </a:r>
-          </a:p>
-          <a:p>
-            <a:pPr marL="722376" lvl="1" indent="-265176">
-              <a:spcBef>
-                <a:spcPts val="250"/>
-              </a:spcBef>
-              <a:buClr>
-                <a:schemeClr val="accent1"/>
-              </a:buClr>
-              <a:buSzPct val="80000"/>
-              <a:buFont typeface="Courier New" pitchFamily="49" charset="0"/>
-              <a:buChar char="o"/>
-            </a:pPr>
-            <a:r>
-              <a:rPr kumimoji="0" lang="en-GB" sz="1600" b="0" i="0" u="none" strike="noStrike" kern="1200" cap="none" spc="0" normalizeH="0" baseline="0" noProof="0" dirty="0" smtClean="0">
-                <a:ln>
-                  <a:noFill/>
-                </a:ln>
-                <a:solidFill>
-                  <a:schemeClr val="tx1"/>
-                </a:solidFill>
-                <a:effectLst/>
-                <a:uLnTx/>
-                <a:uFillTx/>
-                <a:latin typeface="+mn-lt"/>
-                <a:ea typeface="+mn-ea"/>
-                <a:cs typeface="+mn-cs"/>
-              </a:rPr>
-              <a:t>Predicted</a:t>
-            </a:r>
-            <a:r>
-              <a:rPr kumimoji="0" lang="en-GB" sz="1600" b="0" i="0" u="none" strike="noStrike" kern="1200" cap="none" spc="0" normalizeH="0" noProof="0" dirty="0" smtClean="0">
-                <a:ln>
-                  <a:noFill/>
-                </a:ln>
-                <a:solidFill>
-                  <a:schemeClr val="tx1"/>
-                </a:solidFill>
-                <a:effectLst/>
-                <a:uLnTx/>
-                <a:uFillTx/>
-                <a:latin typeface="+mn-lt"/>
-                <a:ea typeface="+mn-ea"/>
-                <a:cs typeface="+mn-cs"/>
-              </a:rPr>
-              <a:t> </a:t>
-            </a:r>
-            <a:r>
-              <a:rPr kumimoji="0" lang="en-GB" sz="1600" b="0" i="0" u="none" strike="noStrike" kern="1200" cap="none" spc="0" normalizeH="0" baseline="0" noProof="0" dirty="0" smtClean="0">
-                <a:ln>
-                  <a:noFill/>
-                </a:ln>
-                <a:solidFill>
-                  <a:schemeClr val="tx1"/>
-                </a:solidFill>
-                <a:effectLst/>
-                <a:uLnTx/>
-                <a:uFillTx/>
-                <a:latin typeface="+mn-lt"/>
-                <a:ea typeface="+mn-ea"/>
-                <a:cs typeface="+mn-cs"/>
-              </a:rPr>
-              <a:t>covariance </a:t>
-            </a:r>
-          </a:p>
-          <a:p>
-            <a:pPr marL="265176" marR="0" lvl="0" indent="-265176" algn="l" defTabSz="914400" rtl="0" eaLnBrk="1" fontAlgn="auto" latinLnBrk="0" hangingPunct="1">
-              <a:lnSpc>
-                <a:spcPct val="100000"/>
-              </a:lnSpc>
-              <a:spcBef>
-                <a:spcPts val="250"/>
-              </a:spcBef>
-              <a:spcAft>
-                <a:spcPts val="0"/>
-              </a:spcAft>
-              <a:buClr>
-                <a:schemeClr val="accent1"/>
-              </a:buClr>
-              <a:buSzPct val="80000"/>
-              <a:buFont typeface="Wingdings 2"/>
-              <a:buChar char=""/>
-              <a:tabLst/>
-              <a:defRPr/>
-            </a:pPr>
-            <a:r>
-              <a:rPr kumimoji="0" lang="en-GB" sz="2800" b="0" i="0" u="none" strike="noStrike" kern="1200" cap="none" spc="0" normalizeH="0" baseline="0" noProof="0" dirty="0" smtClean="0">
-                <a:ln>
-                  <a:noFill/>
-                </a:ln>
-                <a:solidFill>
-                  <a:schemeClr val="tx1"/>
-                </a:solidFill>
-                <a:effectLst/>
-                <a:uLnTx/>
-                <a:uFillTx/>
-                <a:latin typeface="+mn-lt"/>
-                <a:ea typeface="+mn-ea"/>
-                <a:cs typeface="+mn-cs"/>
-              </a:rPr>
-              <a:t> </a:t>
-            </a:r>
-            <a:r>
-              <a:rPr kumimoji="0" lang="en-GB" sz="1600" b="0" i="0" u="none" strike="noStrike" kern="1200" cap="none" spc="0" normalizeH="0" baseline="0" noProof="0" dirty="0" smtClean="0">
-                <a:ln>
-                  <a:noFill/>
-                </a:ln>
-                <a:solidFill>
-                  <a:schemeClr val="tx1"/>
-                </a:solidFill>
-                <a:effectLst/>
-                <a:uLnTx/>
-                <a:uFillTx/>
-                <a:latin typeface="+mn-lt"/>
-                <a:ea typeface="+mn-ea"/>
-                <a:cs typeface="+mn-cs"/>
-              </a:rPr>
-              <a:t>Update</a:t>
-            </a:r>
-            <a:r>
-              <a:rPr kumimoji="0" lang="en-GB" sz="1600" b="0" i="0" u="none" strike="noStrike" kern="1200" cap="none" spc="0" normalizeH="0" noProof="0" dirty="0" smtClean="0">
-                <a:ln>
-                  <a:noFill/>
-                </a:ln>
-                <a:solidFill>
-                  <a:schemeClr val="tx1"/>
-                </a:solidFill>
-                <a:effectLst/>
-                <a:uLnTx/>
-                <a:uFillTx/>
-                <a:latin typeface="+mn-lt"/>
-                <a:ea typeface="+mn-ea"/>
-                <a:cs typeface="+mn-cs"/>
-              </a:rPr>
-              <a:t> Stage</a:t>
-            </a:r>
-          </a:p>
-          <a:p>
-            <a:pPr marL="722376" lvl="1" indent="-265176">
-              <a:spcBef>
-                <a:spcPts val="250"/>
-              </a:spcBef>
-              <a:buClr>
-                <a:schemeClr val="accent1"/>
-              </a:buClr>
-              <a:buSzPct val="80000"/>
-              <a:buFont typeface="Wingdings 2"/>
-              <a:buChar char=""/>
-            </a:pPr>
-            <a:r>
-              <a:rPr lang="en-GB" sz="1600" baseline="0" dirty="0" smtClean="0"/>
-              <a:t>Innovation</a:t>
-            </a:r>
-            <a:r>
-              <a:rPr lang="en-GB" sz="1600" dirty="0" smtClean="0"/>
-              <a:t> residual</a:t>
-            </a:r>
-          </a:p>
-          <a:p>
-            <a:pPr marL="722376" lvl="1" indent="-265176">
-              <a:spcBef>
-                <a:spcPts val="250"/>
-              </a:spcBef>
-              <a:buClr>
-                <a:schemeClr val="accent1"/>
-              </a:buClr>
-              <a:buSzPct val="80000"/>
-              <a:buFont typeface="Wingdings 2"/>
-              <a:buChar char=""/>
-            </a:pPr>
-            <a:r>
-              <a:rPr kumimoji="0" lang="en-GB" sz="1600" b="0" i="0" u="none" strike="noStrike" kern="1200" cap="none" spc="0" normalizeH="0" baseline="0" noProof="0" dirty="0" smtClean="0">
-                <a:ln>
-                  <a:noFill/>
-                </a:ln>
-                <a:solidFill>
-                  <a:schemeClr val="tx1"/>
-                </a:solidFill>
-                <a:effectLst/>
-                <a:uLnTx/>
-                <a:uFillTx/>
-                <a:latin typeface="+mn-lt"/>
-                <a:ea typeface="+mn-ea"/>
-                <a:cs typeface="+mn-cs"/>
-              </a:rPr>
-              <a:t>Innovation</a:t>
-            </a:r>
-            <a:r>
-              <a:rPr kumimoji="0" lang="en-GB" sz="1600" b="0" i="0" u="none" strike="noStrike" kern="1200" cap="none" spc="0" normalizeH="0" noProof="0" dirty="0" smtClean="0">
-                <a:ln>
-                  <a:noFill/>
-                </a:ln>
-                <a:solidFill>
-                  <a:schemeClr val="tx1"/>
-                </a:solidFill>
-                <a:effectLst/>
-                <a:uLnTx/>
-                <a:uFillTx/>
-                <a:latin typeface="+mn-lt"/>
-                <a:ea typeface="+mn-ea"/>
-                <a:cs typeface="+mn-cs"/>
-              </a:rPr>
-              <a:t> residual covariance</a:t>
-            </a:r>
-          </a:p>
-          <a:p>
-            <a:pPr marL="722376" lvl="1" indent="-265176">
-              <a:spcBef>
-                <a:spcPts val="250"/>
-              </a:spcBef>
-              <a:buClr>
-                <a:schemeClr val="accent1"/>
-              </a:buClr>
-              <a:buSzPct val="80000"/>
-              <a:buFont typeface="Wingdings 2"/>
-              <a:buChar char=""/>
-            </a:pPr>
-            <a:r>
-              <a:rPr lang="en-GB" sz="1600" baseline="0" dirty="0" smtClean="0"/>
-              <a:t>Optimal</a:t>
-            </a:r>
-            <a:r>
-              <a:rPr lang="en-GB" sz="1600" dirty="0" smtClean="0"/>
-              <a:t> </a:t>
-            </a:r>
-            <a:r>
-              <a:rPr lang="en-GB" sz="1600" dirty="0" err="1" smtClean="0"/>
-              <a:t>Kalman</a:t>
-            </a:r>
-            <a:r>
-              <a:rPr lang="en-GB" sz="1600" dirty="0" smtClean="0"/>
-              <a:t> Gain</a:t>
-            </a:r>
-          </a:p>
-          <a:p>
-            <a:pPr marL="722376" lvl="1" indent="-265176">
-              <a:spcBef>
-                <a:spcPts val="250"/>
-              </a:spcBef>
-              <a:buClr>
-                <a:schemeClr val="accent1"/>
-              </a:buClr>
-              <a:buSzPct val="80000"/>
-              <a:buFont typeface="Wingdings 2"/>
-              <a:buChar char=""/>
-            </a:pPr>
-            <a:r>
-              <a:rPr kumimoji="0" lang="en-GB" sz="1600" b="0" i="0" u="none" strike="noStrike" kern="1200" cap="none" spc="0" normalizeH="0" baseline="0" noProof="0" dirty="0" smtClean="0">
-                <a:ln>
-                  <a:noFill/>
-                </a:ln>
-                <a:solidFill>
-                  <a:schemeClr val="tx1"/>
-                </a:solidFill>
-                <a:effectLst/>
-                <a:uLnTx/>
-                <a:uFillTx/>
-                <a:latin typeface="+mn-lt"/>
-                <a:ea typeface="+mn-ea"/>
-                <a:cs typeface="+mn-cs"/>
-              </a:rPr>
-              <a:t>Update state estimate</a:t>
-            </a:r>
-          </a:p>
-          <a:p>
-            <a:pPr marL="722376" lvl="1" indent="-265176">
-              <a:spcBef>
-                <a:spcPts val="250"/>
-              </a:spcBef>
-              <a:buClr>
-                <a:schemeClr val="accent1"/>
-              </a:buClr>
-              <a:buSzPct val="80000"/>
-              <a:buFont typeface="Wingdings 2"/>
-              <a:buChar char=""/>
-            </a:pPr>
-            <a:r>
-              <a:rPr lang="en-GB" sz="1600" dirty="0" smtClean="0"/>
-              <a:t>Update Covariance Estimate</a:t>
-            </a:r>
-            <a:endParaRPr kumimoji="0" lang="en-GB" sz="1600" b="0" i="0" u="none" strike="noStrike" kern="1200" cap="none" spc="0" normalizeH="0" baseline="0" noProof="0" dirty="0">
-              <a:ln>
-                <a:noFill/>
-              </a:ln>
-              <a:solidFill>
-                <a:schemeClr val="tx1"/>
-              </a:solidFill>
-              <a:effectLst/>
-              <a:uLnTx/>
-              <a:uFillTx/>
-              <a:latin typeface="+mn-lt"/>
-              <a:ea typeface="+mn-ea"/>
-              <a:cs typeface="+mn-cs"/>
-            </a:endParaRPr>
-          </a:p>
-        </p:txBody>
-      </p:sp>
+            <a:pPr algn="ctr"/>
+            <a:r>
+              <a:rPr lang="en-GB" sz="1100" dirty="0" smtClean="0"/>
+              <a:t>Output estimate of state</a:t>
+            </a:r>
+            <a:endParaRPr lang="en-GB" sz="1100" dirty="0"/>
+          </a:p>
+        </p:txBody>
+      </p:sp>
+      <p:cxnSp>
+        <p:nvCxnSpPr>
+          <p:cNvPr id="43" name="Straight Arrow Connector 42"/>
+          <p:cNvCxnSpPr>
+            <a:stCxn id="37" idx="2"/>
+            <a:endCxn id="42" idx="0"/>
+          </p:cNvCxnSpPr>
+          <p:nvPr/>
+        </p:nvCxnSpPr>
+        <p:spPr>
+          <a:xfrm>
+            <a:off x="3124200" y="4505325"/>
+            <a:ext cx="0" cy="295275"/>
+          </a:xfrm>
+          <a:prstGeom prst="straightConnector1">
+            <a:avLst/>
+          </a:prstGeom>
+          <a:ln>
+            <a:tailEnd type="arrow"/>
+          </a:ln>
+        </p:spPr>
+        <p:style>
+          <a:lnRef idx="1">
+            <a:schemeClr val="accent1"/>
+          </a:lnRef>
+          <a:fillRef idx="0">
+            <a:schemeClr val="accent1"/>
+          </a:fillRef>
+          <a:effectRef idx="0">
+            <a:schemeClr val="accent1"/>
+          </a:effectRef>
+          <a:fontRef idx="minor">
+            <a:schemeClr val="tx1"/>
+          </a:fontRef>
+        </p:style>
+      </p:cxnSp>
+      <p:cxnSp>
+        <p:nvCxnSpPr>
+          <p:cNvPr id="44" name="Straight Arrow Connector 43"/>
+          <p:cNvCxnSpPr>
+            <a:stCxn id="36" idx="1"/>
+            <a:endCxn id="34" idx="6"/>
+          </p:cNvCxnSpPr>
+          <p:nvPr/>
+        </p:nvCxnSpPr>
+        <p:spPr>
+          <a:xfrm flipH="1" flipV="1">
+            <a:off x="6400800" y="4229100"/>
+            <a:ext cx="838200" cy="14288"/>
+          </a:xfrm>
+          <a:prstGeom prst="straightConnector1">
+            <a:avLst/>
+          </a:prstGeom>
+          <a:ln>
+            <a:tailEnd type="arrow"/>
+          </a:ln>
+        </p:spPr>
+        <p:style>
+          <a:lnRef idx="1">
+            <a:schemeClr val="accent1"/>
+          </a:lnRef>
+          <a:fillRef idx="0">
+            <a:schemeClr val="accent1"/>
+          </a:fillRef>
+          <a:effectRef idx="0">
+            <a:schemeClr val="accent1"/>
+          </a:effectRef>
+          <a:fontRef idx="minor">
+            <a:schemeClr val="tx1"/>
+          </a:fontRef>
+        </p:style>
+      </p:cxnSp>
     </p:spTree>
   </p:cSld>
   <p:clrMapOvr>
     <a:masterClrMapping/>
   </p:clrMapOvr>
+  <p:timing>
+    <p:tnLst>
+      <p:par>
+        <p:cTn id="1" dur="indefinite" restart="never" nodeType="tmRoot"/>
+      </p:par>
+    </p:tnLst>
+  </p:timing>
 </p:sld>
 </file>
 
@@ -4684,61 +4917,595 @@
             <a:pPr algn="r"/>
             <a:r>
               <a:rPr lang="en-GB" dirty="0" smtClean="0"/>
-              <a:t>Commercialisation</a:t>
+              <a:t>Mathematics of </a:t>
+            </a:r>
+            <a:r>
+              <a:rPr lang="en-GB" dirty="0" err="1" smtClean="0"/>
+              <a:t>Kalman</a:t>
+            </a:r>
+            <a:r>
+              <a:rPr lang="en-GB" dirty="0" smtClean="0"/>
+              <a:t> Filter</a:t>
             </a:r>
             <a:endParaRPr lang="en-GB" dirty="0"/>
           </a:p>
         </p:txBody>
       </p:sp>
-      <p:sp>
-        <p:nvSpPr>
-          <p:cNvPr id="4" name="Content Placeholder 3"/>
-          <p:cNvSpPr>
-            <a:spLocks noGrp="1"/>
-          </p:cNvSpPr>
+      <p:pic>
+        <p:nvPicPr>
+          <p:cNvPr id="3074" name="Picture 2" descr="\\psf\Home\Desktop\f7ea760f45dd4cdd982a41f80dd38df2.png"/>
+          <p:cNvPicPr>
+            <a:picLocks noGrp="1" noChangeAspect="1" noChangeArrowheads="1"/>
+          </p:cNvPicPr>
           <p:nvPr>
             <p:ph idx="1"/>
           </p:nvPr>
-        </p:nvSpPr>
-        <p:spPr>
-          <a:xfrm>
-            <a:off x="533400" y="1676400"/>
-            <a:ext cx="8183880" cy="4187952"/>
-          </a:xfrm>
-        </p:spPr>
-        <p:txBody>
-          <a:bodyPr/>
+        </p:nvPicPr>
+        <p:blipFill>
+          <a:blip r:embed="rId2" cstate="print"/>
+          <a:srcRect/>
+          <a:stretch>
+            <a:fillRect/>
+          </a:stretch>
+        </p:blipFill>
+        <p:spPr bwMode="auto">
+          <a:xfrm>
+            <a:off x="5114925" y="1981200"/>
+            <a:ext cx="2581275" cy="200025"/>
+          </a:xfrm>
+          <a:prstGeom prst="rect">
+            <a:avLst/>
+          </a:prstGeom>
+          <a:noFill/>
+        </p:spPr>
+      </p:pic>
+      <p:pic>
+        <p:nvPicPr>
+          <p:cNvPr id="3075" name="Picture 3" descr="\\psf\Home\Desktop\25a5a5dd537c2c68f87e678c3dccc5b8.png"/>
+          <p:cNvPicPr>
+            <a:picLocks noChangeAspect="1" noChangeArrowheads="1"/>
+          </p:cNvPicPr>
+          <p:nvPr/>
+        </p:nvPicPr>
+        <p:blipFill>
+          <a:blip r:embed="rId3" cstate="print"/>
+          <a:srcRect/>
+          <a:stretch>
+            <a:fillRect/>
+          </a:stretch>
+        </p:blipFill>
+        <p:spPr bwMode="auto">
+          <a:xfrm>
+            <a:off x="5105400" y="2286000"/>
+            <a:ext cx="2362200" cy="228600"/>
+          </a:xfrm>
+          <a:prstGeom prst="rect">
+            <a:avLst/>
+          </a:prstGeom>
+          <a:noFill/>
+        </p:spPr>
+      </p:pic>
+      <p:pic>
+        <p:nvPicPr>
+          <p:cNvPr id="3076" name="Picture 4" descr="\\psf\Home\Desktop\94dedb0aa8b611741e57b2fe40cd9be3.png"/>
+          <p:cNvPicPr>
+            <a:picLocks noChangeAspect="1" noChangeArrowheads="1"/>
+          </p:cNvPicPr>
+          <p:nvPr/>
+        </p:nvPicPr>
+        <p:blipFill>
+          <a:blip r:embed="rId4" cstate="print"/>
+          <a:srcRect/>
+          <a:stretch>
+            <a:fillRect/>
+          </a:stretch>
+        </p:blipFill>
+        <p:spPr bwMode="auto">
+          <a:xfrm>
+            <a:off x="5153025" y="2971800"/>
+            <a:ext cx="1552575" cy="200025"/>
+          </a:xfrm>
+          <a:prstGeom prst="rect">
+            <a:avLst/>
+          </a:prstGeom>
+          <a:noFill/>
+        </p:spPr>
+      </p:pic>
+      <p:pic>
+        <p:nvPicPr>
+          <p:cNvPr id="3077" name="Picture 5" descr="\\psf\Home\Desktop\1a33df39f1447f0b1c358f4d51e13a40.png"/>
+          <p:cNvPicPr>
+            <a:picLocks noChangeAspect="1" noChangeArrowheads="1"/>
+          </p:cNvPicPr>
+          <p:nvPr/>
+        </p:nvPicPr>
+        <p:blipFill>
+          <a:blip r:embed="rId5" cstate="print"/>
+          <a:srcRect/>
+          <a:stretch>
+            <a:fillRect/>
+          </a:stretch>
+        </p:blipFill>
+        <p:spPr bwMode="auto">
+          <a:xfrm>
+            <a:off x="5153025" y="3276600"/>
+            <a:ext cx="1933575" cy="228600"/>
+          </a:xfrm>
+          <a:prstGeom prst="rect">
+            <a:avLst/>
+          </a:prstGeom>
+          <a:noFill/>
+        </p:spPr>
+      </p:pic>
+      <p:pic>
+        <p:nvPicPr>
+          <p:cNvPr id="3078" name="Picture 6" descr="\\psf\Home\Desktop\b9eb23558d548cb7f3bb2375398ba4ef.png"/>
+          <p:cNvPicPr>
+            <a:picLocks noChangeAspect="1" noChangeArrowheads="1"/>
+          </p:cNvPicPr>
+          <p:nvPr/>
+        </p:nvPicPr>
+        <p:blipFill>
+          <a:blip r:embed="rId6" cstate="print"/>
+          <a:srcRect/>
+          <a:stretch>
+            <a:fillRect/>
+          </a:stretch>
+        </p:blipFill>
+        <p:spPr bwMode="auto">
+          <a:xfrm>
+            <a:off x="5143500" y="3581400"/>
+            <a:ext cx="1562100" cy="228600"/>
+          </a:xfrm>
+          <a:prstGeom prst="rect">
+            <a:avLst/>
+          </a:prstGeom>
+          <a:noFill/>
+        </p:spPr>
+      </p:pic>
+      <p:pic>
+        <p:nvPicPr>
+          <p:cNvPr id="3079" name="Picture 7" descr="\\psf\Home\Desktop\bebb31e78e560130427c2f9aac0d0fff.png"/>
+          <p:cNvPicPr>
+            <a:picLocks noChangeAspect="1" noChangeArrowheads="1"/>
+          </p:cNvPicPr>
+          <p:nvPr/>
+        </p:nvPicPr>
+        <p:blipFill>
+          <a:blip r:embed="rId7" cstate="print"/>
+          <a:srcRect/>
+          <a:stretch>
+            <a:fillRect/>
+          </a:stretch>
+        </p:blipFill>
+        <p:spPr bwMode="auto">
+          <a:xfrm>
+            <a:off x="5162550" y="3886200"/>
+            <a:ext cx="1695450" cy="200025"/>
+          </a:xfrm>
+          <a:prstGeom prst="rect">
+            <a:avLst/>
+          </a:prstGeom>
+          <a:noFill/>
+        </p:spPr>
+      </p:pic>
+      <p:pic>
+        <p:nvPicPr>
+          <p:cNvPr id="3080" name="Picture 8" descr="\\psf\Home\Desktop\96b934387acd18af06506e491fd3a5e2.png"/>
+          <p:cNvPicPr>
+            <a:picLocks noChangeAspect="1" noChangeArrowheads="1"/>
+          </p:cNvPicPr>
+          <p:nvPr/>
+        </p:nvPicPr>
+        <p:blipFill>
+          <a:blip r:embed="rId8" cstate="print"/>
+          <a:srcRect/>
+          <a:stretch>
+            <a:fillRect/>
+          </a:stretch>
+        </p:blipFill>
+        <p:spPr bwMode="auto">
+          <a:xfrm>
+            <a:off x="5191125" y="4191000"/>
+            <a:ext cx="2047875" cy="209550"/>
+          </a:xfrm>
+          <a:prstGeom prst="rect">
+            <a:avLst/>
+          </a:prstGeom>
+          <a:noFill/>
+        </p:spPr>
+      </p:pic>
+      <p:sp>
+        <p:nvSpPr>
+          <p:cNvPr id="11" name="Content Placeholder 5"/>
+          <p:cNvSpPr txBox="1">
+            <a:spLocks/>
+          </p:cNvSpPr>
+          <p:nvPr/>
+        </p:nvSpPr>
+        <p:spPr>
+          <a:xfrm>
+            <a:off x="457200" y="1600200"/>
+            <a:ext cx="4648200" cy="4187952"/>
+          </a:xfrm>
+          <a:prstGeom prst="rect">
+            <a:avLst/>
+          </a:prstGeom>
+        </p:spPr>
+        <p:txBody>
+          <a:bodyPr vert="horz" lIns="182880" tIns="91440">
+            <a:normAutofit/>
+          </a:bodyPr>
           <a:lstStyle/>
           <a:p>
-            <a:r>
-              <a:rPr lang="en-GB" dirty="0" smtClean="0"/>
-              <a:t>Unmanned Aerial Vehicle(UAV) Applications</a:t>
-            </a:r>
-          </a:p>
-          <a:p>
-            <a:pPr lvl="1"/>
-            <a:r>
-              <a:rPr lang="en-GB" dirty="0" smtClean="0"/>
-              <a:t>Security:  Border Control, Disaster Monitoring.</a:t>
-            </a:r>
-          </a:p>
-          <a:p>
-            <a:pPr lvl="1"/>
-            <a:r>
-              <a:rPr lang="en-GB" dirty="0" smtClean="0"/>
-              <a:t>Civilian:  Aerial Photography, Pipeline Surveillance.</a:t>
-            </a:r>
-          </a:p>
-          <a:p>
-            <a:pPr lvl="1"/>
-            <a:r>
-              <a:rPr lang="en-GB" dirty="0" smtClean="0"/>
-              <a:t>Europe to spend over £1billion on UAVs from 2008 to 2015.</a:t>
-            </a:r>
-          </a:p>
-          <a:p>
-            <a:pPr lvl="1"/>
-            <a:endParaRPr lang="en-GB" dirty="0"/>
+            <a:pPr marL="265176" marR="0" lvl="0" indent="-265176" algn="l" defTabSz="914400" rtl="0" eaLnBrk="1" fontAlgn="auto" latinLnBrk="0" hangingPunct="1">
+              <a:lnSpc>
+                <a:spcPct val="100000"/>
+              </a:lnSpc>
+              <a:spcBef>
+                <a:spcPts val="250"/>
+              </a:spcBef>
+              <a:spcAft>
+                <a:spcPts val="0"/>
+              </a:spcAft>
+              <a:buClr>
+                <a:schemeClr val="accent1"/>
+              </a:buClr>
+              <a:buSzPct val="80000"/>
+              <a:buFont typeface="Wingdings 2"/>
+              <a:buChar char=""/>
+              <a:tabLst/>
+              <a:defRPr/>
+            </a:pPr>
+            <a:r>
+              <a:rPr kumimoji="0" lang="en-GB" sz="1600" b="0" i="0" u="none" strike="noStrike" kern="1200" cap="none" spc="0" normalizeH="0" baseline="0" noProof="0" dirty="0" smtClean="0">
+                <a:ln>
+                  <a:noFill/>
+                </a:ln>
+                <a:solidFill>
+                  <a:schemeClr val="tx1"/>
+                </a:solidFill>
+                <a:effectLst/>
+                <a:uLnTx/>
+                <a:uFillTx/>
+                <a:latin typeface="+mn-lt"/>
+                <a:ea typeface="+mn-ea"/>
+                <a:cs typeface="+mn-cs"/>
+              </a:rPr>
+              <a:t>Predict</a:t>
+            </a:r>
+            <a:r>
+              <a:rPr kumimoji="0" lang="en-GB" sz="1600" b="0" i="0" u="none" strike="noStrike" kern="1200" cap="none" spc="0" normalizeH="0" noProof="0" dirty="0" smtClean="0">
+                <a:ln>
+                  <a:noFill/>
+                </a:ln>
+                <a:solidFill>
+                  <a:schemeClr val="tx1"/>
+                </a:solidFill>
+                <a:effectLst/>
+                <a:uLnTx/>
+                <a:uFillTx/>
+                <a:latin typeface="+mn-lt"/>
+                <a:ea typeface="+mn-ea"/>
+                <a:cs typeface="+mn-cs"/>
+              </a:rPr>
+              <a:t> Stage</a:t>
+            </a:r>
+          </a:p>
+          <a:p>
+            <a:pPr marL="722376" lvl="1" indent="-265176">
+              <a:spcBef>
+                <a:spcPts val="250"/>
+              </a:spcBef>
+              <a:buClr>
+                <a:schemeClr val="accent1"/>
+              </a:buClr>
+              <a:buSzPct val="80000"/>
+              <a:buFont typeface="Courier New" pitchFamily="49" charset="0"/>
+              <a:buChar char="o"/>
+            </a:pPr>
+            <a:r>
+              <a:rPr lang="en-GB" sz="1600" baseline="0" dirty="0" smtClean="0"/>
+              <a:t>Predicted</a:t>
+            </a:r>
+            <a:r>
+              <a:rPr lang="en-GB" sz="1600" dirty="0" smtClean="0"/>
+              <a:t> state estimate</a:t>
+            </a:r>
+          </a:p>
+          <a:p>
+            <a:pPr marL="722376" lvl="1" indent="-265176">
+              <a:spcBef>
+                <a:spcPts val="250"/>
+              </a:spcBef>
+              <a:buClr>
+                <a:schemeClr val="accent1"/>
+              </a:buClr>
+              <a:buSzPct val="80000"/>
+              <a:buFont typeface="Courier New" pitchFamily="49" charset="0"/>
+              <a:buChar char="o"/>
+            </a:pPr>
+            <a:r>
+              <a:rPr kumimoji="0" lang="en-GB" sz="1600" b="0" i="0" u="none" strike="noStrike" kern="1200" cap="none" spc="0" normalizeH="0" baseline="0" noProof="0" dirty="0" smtClean="0">
+                <a:ln>
+                  <a:noFill/>
+                </a:ln>
+                <a:solidFill>
+                  <a:schemeClr val="tx1"/>
+                </a:solidFill>
+                <a:effectLst/>
+                <a:uLnTx/>
+                <a:uFillTx/>
+                <a:latin typeface="+mn-lt"/>
+                <a:ea typeface="+mn-ea"/>
+                <a:cs typeface="+mn-cs"/>
+              </a:rPr>
+              <a:t>Predicted</a:t>
+            </a:r>
+            <a:r>
+              <a:rPr kumimoji="0" lang="en-GB" sz="1600" b="0" i="0" u="none" strike="noStrike" kern="1200" cap="none" spc="0" normalizeH="0" noProof="0" dirty="0" smtClean="0">
+                <a:ln>
+                  <a:noFill/>
+                </a:ln>
+                <a:solidFill>
+                  <a:schemeClr val="tx1"/>
+                </a:solidFill>
+                <a:effectLst/>
+                <a:uLnTx/>
+                <a:uFillTx/>
+                <a:latin typeface="+mn-lt"/>
+                <a:ea typeface="+mn-ea"/>
+                <a:cs typeface="+mn-cs"/>
+              </a:rPr>
+              <a:t> </a:t>
+            </a:r>
+            <a:r>
+              <a:rPr kumimoji="0" lang="en-GB" sz="1600" b="0" i="0" u="none" strike="noStrike" kern="1200" cap="none" spc="0" normalizeH="0" baseline="0" noProof="0" dirty="0" smtClean="0">
+                <a:ln>
+                  <a:noFill/>
+                </a:ln>
+                <a:solidFill>
+                  <a:schemeClr val="tx1"/>
+                </a:solidFill>
+                <a:effectLst/>
+                <a:uLnTx/>
+                <a:uFillTx/>
+                <a:latin typeface="+mn-lt"/>
+                <a:ea typeface="+mn-ea"/>
+                <a:cs typeface="+mn-cs"/>
+              </a:rPr>
+              <a:t>covariance </a:t>
+            </a:r>
+          </a:p>
+          <a:p>
+            <a:pPr marL="265176" marR="0" lvl="0" indent="-265176" algn="l" defTabSz="914400" rtl="0" eaLnBrk="1" fontAlgn="auto" latinLnBrk="0" hangingPunct="1">
+              <a:lnSpc>
+                <a:spcPct val="100000"/>
+              </a:lnSpc>
+              <a:spcBef>
+                <a:spcPts val="250"/>
+              </a:spcBef>
+              <a:spcAft>
+                <a:spcPts val="0"/>
+              </a:spcAft>
+              <a:buClr>
+                <a:schemeClr val="accent1"/>
+              </a:buClr>
+              <a:buSzPct val="80000"/>
+              <a:buFont typeface="Wingdings 2"/>
+              <a:buChar char=""/>
+              <a:tabLst/>
+              <a:defRPr/>
+            </a:pPr>
+            <a:r>
+              <a:rPr kumimoji="0" lang="en-GB" sz="2800" b="0" i="0" u="none" strike="noStrike" kern="1200" cap="none" spc="0" normalizeH="0" baseline="0" noProof="0" dirty="0" smtClean="0">
+                <a:ln>
+                  <a:noFill/>
+                </a:ln>
+                <a:solidFill>
+                  <a:schemeClr val="tx1"/>
+                </a:solidFill>
+                <a:effectLst/>
+                <a:uLnTx/>
+                <a:uFillTx/>
+                <a:latin typeface="+mn-lt"/>
+                <a:ea typeface="+mn-ea"/>
+                <a:cs typeface="+mn-cs"/>
+              </a:rPr>
+              <a:t> </a:t>
+            </a:r>
+            <a:r>
+              <a:rPr kumimoji="0" lang="en-GB" sz="1600" b="0" i="0" u="none" strike="noStrike" kern="1200" cap="none" spc="0" normalizeH="0" baseline="0" noProof="0" dirty="0" smtClean="0">
+                <a:ln>
+                  <a:noFill/>
+                </a:ln>
+                <a:solidFill>
+                  <a:schemeClr val="tx1"/>
+                </a:solidFill>
+                <a:effectLst/>
+                <a:uLnTx/>
+                <a:uFillTx/>
+                <a:latin typeface="+mn-lt"/>
+                <a:ea typeface="+mn-ea"/>
+                <a:cs typeface="+mn-cs"/>
+              </a:rPr>
+              <a:t>Update</a:t>
+            </a:r>
+            <a:r>
+              <a:rPr kumimoji="0" lang="en-GB" sz="1600" b="0" i="0" u="none" strike="noStrike" kern="1200" cap="none" spc="0" normalizeH="0" noProof="0" dirty="0" smtClean="0">
+                <a:ln>
+                  <a:noFill/>
+                </a:ln>
+                <a:solidFill>
+                  <a:schemeClr val="tx1"/>
+                </a:solidFill>
+                <a:effectLst/>
+                <a:uLnTx/>
+                <a:uFillTx/>
+                <a:latin typeface="+mn-lt"/>
+                <a:ea typeface="+mn-ea"/>
+                <a:cs typeface="+mn-cs"/>
+              </a:rPr>
+              <a:t> Stage</a:t>
+            </a:r>
+          </a:p>
+          <a:p>
+            <a:pPr marL="722376" lvl="1" indent="-265176">
+              <a:spcBef>
+                <a:spcPts val="250"/>
+              </a:spcBef>
+              <a:buClr>
+                <a:schemeClr val="accent1"/>
+              </a:buClr>
+              <a:buSzPct val="80000"/>
+              <a:buFont typeface="Wingdings 2"/>
+              <a:buChar char=""/>
+            </a:pPr>
+            <a:r>
+              <a:rPr lang="en-GB" sz="1600" baseline="0" dirty="0" smtClean="0"/>
+              <a:t>Innovation</a:t>
+            </a:r>
+            <a:r>
+              <a:rPr lang="en-GB" sz="1600" dirty="0" smtClean="0"/>
+              <a:t> residual</a:t>
+            </a:r>
+          </a:p>
+          <a:p>
+            <a:pPr marL="722376" lvl="1" indent="-265176">
+              <a:spcBef>
+                <a:spcPts val="250"/>
+              </a:spcBef>
+              <a:buClr>
+                <a:schemeClr val="accent1"/>
+              </a:buClr>
+              <a:buSzPct val="80000"/>
+              <a:buFont typeface="Wingdings 2"/>
+              <a:buChar char=""/>
+            </a:pPr>
+            <a:r>
+              <a:rPr kumimoji="0" lang="en-GB" sz="1600" b="0" i="0" u="none" strike="noStrike" kern="1200" cap="none" spc="0" normalizeH="0" baseline="0" noProof="0" dirty="0" smtClean="0">
+                <a:ln>
+                  <a:noFill/>
+                </a:ln>
+                <a:solidFill>
+                  <a:schemeClr val="tx1"/>
+                </a:solidFill>
+                <a:effectLst/>
+                <a:uLnTx/>
+                <a:uFillTx/>
+                <a:latin typeface="+mn-lt"/>
+                <a:ea typeface="+mn-ea"/>
+                <a:cs typeface="+mn-cs"/>
+              </a:rPr>
+              <a:t>Innovation</a:t>
+            </a:r>
+            <a:r>
+              <a:rPr kumimoji="0" lang="en-GB" sz="1600" b="0" i="0" u="none" strike="noStrike" kern="1200" cap="none" spc="0" normalizeH="0" noProof="0" dirty="0" smtClean="0">
+                <a:ln>
+                  <a:noFill/>
+                </a:ln>
+                <a:solidFill>
+                  <a:schemeClr val="tx1"/>
+                </a:solidFill>
+                <a:effectLst/>
+                <a:uLnTx/>
+                <a:uFillTx/>
+                <a:latin typeface="+mn-lt"/>
+                <a:ea typeface="+mn-ea"/>
+                <a:cs typeface="+mn-cs"/>
+              </a:rPr>
+              <a:t> residual covariance</a:t>
+            </a:r>
+          </a:p>
+          <a:p>
+            <a:pPr marL="722376" lvl="1" indent="-265176">
+              <a:spcBef>
+                <a:spcPts val="250"/>
+              </a:spcBef>
+              <a:buClr>
+                <a:schemeClr val="accent1"/>
+              </a:buClr>
+              <a:buSzPct val="80000"/>
+              <a:buFont typeface="Wingdings 2"/>
+              <a:buChar char=""/>
+            </a:pPr>
+            <a:r>
+              <a:rPr lang="en-GB" sz="1600" baseline="0" dirty="0" smtClean="0"/>
+              <a:t>Optimal</a:t>
+            </a:r>
+            <a:r>
+              <a:rPr lang="en-GB" sz="1600" dirty="0" smtClean="0"/>
+              <a:t> </a:t>
+            </a:r>
+            <a:r>
+              <a:rPr lang="en-GB" sz="1600" dirty="0" err="1" smtClean="0"/>
+              <a:t>Kalman</a:t>
+            </a:r>
+            <a:r>
+              <a:rPr lang="en-GB" sz="1600" dirty="0" smtClean="0"/>
+              <a:t> Gain</a:t>
+            </a:r>
+          </a:p>
+          <a:p>
+            <a:pPr marL="722376" lvl="1" indent="-265176">
+              <a:spcBef>
+                <a:spcPts val="250"/>
+              </a:spcBef>
+              <a:buClr>
+                <a:schemeClr val="accent1"/>
+              </a:buClr>
+              <a:buSzPct val="80000"/>
+              <a:buFont typeface="Wingdings 2"/>
+              <a:buChar char=""/>
+            </a:pPr>
+            <a:r>
+              <a:rPr kumimoji="0" lang="en-GB" sz="1600" b="0" i="0" u="none" strike="noStrike" kern="1200" cap="none" spc="0" normalizeH="0" baseline="0" noProof="0" dirty="0" smtClean="0">
+                <a:ln>
+                  <a:noFill/>
+                </a:ln>
+                <a:solidFill>
+                  <a:schemeClr val="tx1"/>
+                </a:solidFill>
+                <a:effectLst/>
+                <a:uLnTx/>
+                <a:uFillTx/>
+                <a:latin typeface="+mn-lt"/>
+                <a:ea typeface="+mn-ea"/>
+                <a:cs typeface="+mn-cs"/>
+              </a:rPr>
+              <a:t>Update state estimate</a:t>
+            </a:r>
+          </a:p>
+          <a:p>
+            <a:pPr marL="722376" lvl="1" indent="-265176">
+              <a:spcBef>
+                <a:spcPts val="250"/>
+              </a:spcBef>
+              <a:buClr>
+                <a:schemeClr val="accent1"/>
+              </a:buClr>
+              <a:buSzPct val="80000"/>
+              <a:buFont typeface="Wingdings 2"/>
+              <a:buChar char=""/>
+            </a:pPr>
+            <a:r>
+              <a:rPr lang="en-GB" sz="1600" dirty="0" smtClean="0"/>
+              <a:t>Update Covariance Estimate</a:t>
+            </a:r>
+            <a:endParaRPr kumimoji="0" lang="en-GB" sz="1600" b="0" i="0" u="none" strike="noStrike" kern="1200" cap="none" spc="0" normalizeH="0" baseline="0" noProof="0" dirty="0">
+              <a:ln>
+                <a:noFill/>
+              </a:ln>
+              <a:solidFill>
+                <a:schemeClr val="tx1"/>
+              </a:solidFill>
+              <a:effectLst/>
+              <a:uLnTx/>
+              <a:uFillTx/>
+              <a:latin typeface="+mn-lt"/>
+              <a:ea typeface="+mn-ea"/>
+              <a:cs typeface="+mn-cs"/>
+            </a:endParaRPr>
           </a:p>
         </p:txBody>
       </p:sp>
@@ -4747,6 +5514,13 @@
   <p:clrMapOvr>
     <a:masterClrMapping/>
   </p:clrMapOvr>
+  <p:timing>
+    <p:tnLst>
+      <p:par>
+        <p:cTn id="1" dur="indefinite" restart="never" nodeType="tmRoot"/>
+      </p:par>
+    </p:tnLst>
+  </p:timing>
 </p:sld>
 </file>
 
@@ -4790,45 +5564,49 @@
             <a:pPr algn="r"/>
             <a:r>
               <a:rPr lang="en-GB" dirty="0" smtClean="0"/>
-              <a:t>Market Breakdown</a:t>
+              <a:t>Demonstration</a:t>
             </a:r>
             <a:endParaRPr lang="en-GB" dirty="0"/>
           </a:p>
         </p:txBody>
       </p:sp>
-      <p:pic>
-        <p:nvPicPr>
-          <p:cNvPr id="1026" name="Picture 2" descr="\\psf\Home\Desktop\img202.gif"/>
-          <p:cNvPicPr>
-            <a:picLocks noGrp="1" noChangeAspect="1" noChangeArrowheads="1"/>
-          </p:cNvPicPr>
+      <p:sp>
+        <p:nvSpPr>
+          <p:cNvPr id="4" name="Content Placeholder 3"/>
+          <p:cNvSpPr>
+            <a:spLocks noGrp="1"/>
+          </p:cNvSpPr>
           <p:nvPr>
             <p:ph idx="1"/>
           </p:nvPr>
-        </p:nvPicPr>
-        <p:blipFill>
-          <a:blip r:embed="rId2" cstate="print"/>
-          <a:srcRect/>
-          <a:stretch>
-            <a:fillRect/>
-          </a:stretch>
-        </p:blipFill>
-        <p:spPr bwMode="auto">
-          <a:xfrm>
-            <a:off x="1600200" y="1676400"/>
-            <a:ext cx="5963727" cy="4187825"/>
-          </a:xfrm>
-          <a:prstGeom prst="rect">
-            <a:avLst/>
-          </a:prstGeom>
-          <a:noFill/>
-        </p:spPr>
-      </p:pic>
+        </p:nvSpPr>
+        <p:spPr>
+          <a:xfrm>
+            <a:off x="533400" y="1676400"/>
+            <a:ext cx="8183880" cy="4187952"/>
+          </a:xfrm>
+        </p:spPr>
+        <p:txBody>
+          <a:bodyPr/>
+          <a:lstStyle/>
+          <a:p>
+            <a:pPr lvl="1"/>
+            <a:endParaRPr lang="en-GB" dirty="0"/>
+          </a:p>
+        </p:txBody>
+      </p:sp>
     </p:spTree>
   </p:cSld>
   <p:clrMapOvr>
     <a:masterClrMapping/>
   </p:clrMapOvr>
+  <p:timing>
+    <p:tnLst>
+      <p:par>
+        <p:cTn id="1" dur="indefinite" restart="never" nodeType="tmRoot"/>
+      </p:par>
+    </p:tnLst>
+  </p:timing>
 </p:sld>
 </file>
 
@@ -4872,7 +5650,7 @@
             <a:pPr algn="r"/>
             <a:r>
               <a:rPr lang="en-GB" dirty="0" smtClean="0"/>
-              <a:t>Market Barriers</a:t>
+              <a:t>Commercialisation</a:t>
             </a:r>
             <a:endParaRPr lang="en-GB" dirty="0"/>
           </a:p>
@@ -4895,45 +5673,37 @@
           </a:xfrm>
         </p:spPr>
         <p:txBody>
-          <a:bodyPr>
-            <a:normAutofit/>
-          </a:bodyPr>
+          <a:bodyPr/>
           <a:lstStyle/>
           <a:p>
             <a:r>
               <a:rPr lang="en-GB" dirty="0" smtClean="0"/>
-              <a:t>High Cost</a:t>
-            </a:r>
-          </a:p>
-          <a:p>
-            <a:r>
-              <a:rPr lang="en-GB" dirty="0" smtClean="0"/>
-              <a:t>Radio Spectrum</a:t>
-            </a:r>
-          </a:p>
-          <a:p>
-            <a:r>
-              <a:rPr lang="en-GB" dirty="0" smtClean="0"/>
-              <a:t>Viable Alternatives</a:t>
-            </a:r>
-          </a:p>
-          <a:p>
-            <a:r>
-              <a:rPr lang="en-GB" dirty="0" smtClean="0"/>
-              <a:t>Aviation Regulations</a:t>
-            </a:r>
-          </a:p>
-          <a:p>
-            <a:r>
-              <a:rPr lang="en-GB" dirty="0" smtClean="0"/>
-              <a:t>Public Concern</a:t>
-            </a:r>
-          </a:p>
-          <a:p>
-            <a:r>
-              <a:rPr lang="en-GB" dirty="0" smtClean="0"/>
-              <a:t>Insurance</a:t>
-            </a:r>
+              <a:t>Unmanned Aerial Vehicle(UAV) Applications</a:t>
+            </a:r>
+          </a:p>
+          <a:p>
+            <a:pPr lvl="1"/>
+            <a:r>
+              <a:rPr lang="en-GB" dirty="0" smtClean="0"/>
+              <a:t>Security:  Border Control, Disaster Monitoring.</a:t>
+            </a:r>
+          </a:p>
+          <a:p>
+            <a:pPr lvl="1"/>
+            <a:r>
+              <a:rPr lang="en-GB" dirty="0" smtClean="0"/>
+              <a:t>Civilian:  Aerial Photography, Pipeline Surveillance.</a:t>
+            </a:r>
+          </a:p>
+          <a:p>
+            <a:pPr lvl="1"/>
+            <a:r>
+              <a:rPr lang="en-GB" dirty="0" smtClean="0"/>
+              <a:t>Europe to spend over £1billion on UAVs from 2008 to 2015.</a:t>
+            </a:r>
+          </a:p>
+          <a:p>
+            <a:pPr lvl="1"/>
             <a:endParaRPr lang="en-GB" dirty="0"/>
           </a:p>
         </p:txBody>
@@ -4943,6 +5713,13 @@
   <p:clrMapOvr>
     <a:masterClrMapping/>
   </p:clrMapOvr>
+  <p:timing>
+    <p:tnLst>
+      <p:par>
+        <p:cTn id="1" dur="indefinite" restart="never" nodeType="tmRoot"/>
+      </p:par>
+    </p:tnLst>
+  </p:timing>
 </p:sld>
 </file>
 
@@ -4986,42 +5763,52 @@
             <a:pPr algn="r"/>
             <a:r>
               <a:rPr lang="en-GB" dirty="0" smtClean="0"/>
-              <a:t>Demonstration</a:t>
+              <a:t>Market Breakdown</a:t>
             </a:r>
             <a:endParaRPr lang="en-GB" dirty="0"/>
           </a:p>
         </p:txBody>
       </p:sp>
-      <p:sp>
-        <p:nvSpPr>
-          <p:cNvPr id="4" name="Content Placeholder 3"/>
-          <p:cNvSpPr>
-            <a:spLocks noGrp="1"/>
-          </p:cNvSpPr>
+      <p:pic>
+        <p:nvPicPr>
+          <p:cNvPr id="1026" name="Picture 2" descr="\\psf\Home\Desktop\img202.gif"/>
+          <p:cNvPicPr>
+            <a:picLocks noGrp="1" noChangeAspect="1" noChangeArrowheads="1"/>
+          </p:cNvPicPr>
           <p:nvPr>
             <p:ph idx="1"/>
           </p:nvPr>
-        </p:nvSpPr>
-        <p:spPr>
-          <a:xfrm>
-            <a:off x="533400" y="1676400"/>
-            <a:ext cx="8183880" cy="4187952"/>
-          </a:xfrm>
-        </p:spPr>
-        <p:txBody>
-          <a:bodyPr/>
-          <a:lstStyle/>
-          <a:p>
-            <a:pPr lvl="1"/>
-            <a:endParaRPr lang="en-GB" dirty="0"/>
-          </a:p>
-        </p:txBody>
-      </p:sp>
+        </p:nvPicPr>
+        <p:blipFill>
+          <a:blip r:embed="rId2" cstate="print"/>
+          <a:srcRect/>
+          <a:stretch>
+            <a:fillRect/>
+          </a:stretch>
+        </p:blipFill>
+        <p:spPr bwMode="auto">
+          <a:xfrm>
+            <a:off x="1600200" y="1676400"/>
+            <a:ext cx="5963727" cy="4187825"/>
+          </a:xfrm>
+          <a:prstGeom prst="rect">
+            <a:avLst/>
+          </a:prstGeom>
+          <a:noFill/>
+        </p:spPr>
+      </p:pic>
     </p:spTree>
   </p:cSld>
   <p:clrMapOvr>
     <a:masterClrMapping/>
   </p:clrMapOvr>
+  <p:timing>
+    <p:tnLst>
+      <p:par>
+        <p:cTn id="1" dur="indefinite" restart="never" nodeType="tmRoot"/>
+      </p:par>
+    </p:tnLst>
+  </p:timing>
 </p:sld>
 </file>
 
@@ -5135,12 +5922,8 @@
               <a:t> and </a:t>
             </a:r>
             <a:r>
-              <a:rPr lang="en-GB" dirty="0" err="1" smtClean="0"/>
-              <a:t>Extendend</a:t>
-            </a:r>
-            <a:r>
-              <a:rPr lang="en-GB" dirty="0" smtClean="0"/>
-              <a:t> </a:t>
+              <a:rPr lang="en-GB" dirty="0" smtClean="0"/>
+              <a:t>Extended </a:t>
             </a:r>
             <a:r>
               <a:rPr lang="en-GB" dirty="0" err="1" smtClean="0"/>
@@ -5158,6 +5941,13 @@
   <p:clrMapOvr>
     <a:masterClrMapping/>
   </p:clrMapOvr>
+  <p:timing>
+    <p:tnLst>
+      <p:par>
+        <p:cTn id="1" dur="indefinite" restart="never" nodeType="tmRoot"/>
+      </p:par>
+    </p:tnLst>
+  </p:timing>
 </p:sld>
 </file>
 
@@ -5233,9 +6023,41 @@
           <a:p>
             <a:pPr lvl="1"/>
             <a:r>
-              <a:rPr lang="en-GB" dirty="0" smtClean="0"/>
-              <a:t>http://www.barnardmicrosystems.com/L4E_uav_market.htm</a:t>
-            </a:r>
+              <a:rPr lang="en-GB" dirty="0" smtClean="0">
+                <a:hlinkClick r:id="rId2"/>
+              </a:rPr>
+              <a:t>http://</a:t>
+            </a:r>
+            <a:r>
+              <a:rPr lang="en-GB" dirty="0" smtClean="0">
+                <a:hlinkClick r:id="rId2"/>
+              </a:rPr>
+              <a:t>www.barnardmicrosystems.com/L4E_uav_market.htm</a:t>
+            </a:r>
+            <a:endParaRPr lang="en-GB" dirty="0" smtClean="0"/>
+          </a:p>
+          <a:p>
+            <a:pPr lvl="1"/>
+            <a:r>
+              <a:rPr lang="en-GB" dirty="0" smtClean="0"/>
+              <a:t>More Information on Our R10 </a:t>
+            </a:r>
+            <a:r>
+              <a:rPr lang="en-GB" dirty="0" err="1" smtClean="0"/>
+              <a:t>quadcopter</a:t>
+            </a:r>
+            <a:endParaRPr lang="en-GB" dirty="0" smtClean="0"/>
+          </a:p>
+          <a:p>
+            <a:pPr lvl="2"/>
+            <a:r>
+              <a:rPr lang="en-GB" dirty="0" smtClean="0"/>
+              <a:t>https://r10plus.uair.co/r10</a:t>
+            </a:r>
+            <a:endParaRPr lang="en-GB" dirty="0" smtClean="0"/>
+          </a:p>
+          <a:p>
+            <a:pPr lvl="1"/>
             <a:endParaRPr lang="en-GB" dirty="0"/>
           </a:p>
         </p:txBody>
@@ -5245,6 +6067,13 @@
   <p:clrMapOvr>
     <a:masterClrMapping/>
   </p:clrMapOvr>
+  <p:timing>
+    <p:tnLst>
+      <p:par>
+        <p:cTn id="1" dur="indefinite" restart="never" nodeType="tmRoot"/>
+      </p:par>
+    </p:tnLst>
+  </p:timing>
 </p:sld>
 </file>
 
@@ -5436,7 +6265,19 @@
           <a:p>
             <a:r>
               <a:rPr lang="en-GB" dirty="0" smtClean="0"/>
-              <a:t>Start-up company in autonomous aerial vehicles for HD imaging.</a:t>
+              <a:t>Start-up company in autonomous aerial vehicles for </a:t>
+            </a:r>
+            <a:r>
+              <a:rPr lang="en-GB" dirty="0" smtClean="0"/>
+              <a:t>high definition</a:t>
+            </a:r>
+            <a:r>
+              <a:rPr lang="en-GB" dirty="0" smtClean="0"/>
+              <a:t> </a:t>
+            </a:r>
+            <a:r>
+              <a:rPr lang="en-GB" dirty="0" smtClean="0"/>
+              <a:t>imaging.</a:t>
             </a:r>
           </a:p>
           <a:p>
@@ -5576,12 +6417,12 @@
           <a:p>
             <a:pPr lvl="1"/>
             <a:r>
-              <a:rPr lang="en-GB" dirty="0" err="1" smtClean="0"/>
-              <a:t>Dbscan</a:t>
-            </a:r>
-            <a:r>
-              <a:rPr lang="en-GB" dirty="0" smtClean="0"/>
-              <a:t>, System Model Derivation</a:t>
+              <a:rPr lang="en-GB" smtClean="0"/>
+              <a:t>DBSCAN, </a:t>
+            </a:r>
+            <a:r>
+              <a:rPr lang="en-GB" dirty="0" smtClean="0"/>
+              <a:t>System Model Derivation</a:t>
             </a:r>
           </a:p>
           <a:p>
@@ -5656,7 +6497,7 @@
             <a:pPr algn="r"/>
             <a:r>
               <a:rPr lang="en-GB" dirty="0" smtClean="0"/>
-              <a:t>High Level Design</a:t>
+              <a:t>Solution Overview</a:t>
             </a:r>
             <a:endParaRPr lang="en-GB" dirty="0"/>
           </a:p>
@@ -5679,62 +6520,30 @@
           </a:xfrm>
         </p:spPr>
         <p:txBody>
-          <a:bodyPr/>
+          <a:bodyPr>
+            <a:normAutofit/>
+          </a:bodyPr>
           <a:lstStyle/>
           <a:p>
             <a:r>
               <a:rPr lang="en-GB" dirty="0" smtClean="0"/>
-              <a:t>Feature Extraction</a:t>
-            </a:r>
-          </a:p>
-          <a:p>
-            <a:pPr lvl="1"/>
-            <a:r>
-              <a:rPr lang="en-GB" dirty="0" smtClean="0"/>
-              <a:t>We use planes as landmarks extracted using </a:t>
-            </a:r>
-            <a:r>
-              <a:rPr lang="en-GB" dirty="0" err="1" smtClean="0"/>
-              <a:t>Dscan</a:t>
-            </a:r>
-            <a:r>
-              <a:rPr lang="en-GB" dirty="0" smtClean="0"/>
-              <a:t> algorithm and </a:t>
-            </a:r>
-            <a:r>
-              <a:rPr lang="en-GB" dirty="0" err="1" smtClean="0"/>
-              <a:t>Xtion</a:t>
-            </a:r>
-            <a:r>
-              <a:rPr lang="en-GB" dirty="0" smtClean="0"/>
-              <a:t> Pro RGB-D camera</a:t>
-            </a:r>
-          </a:p>
-          <a:p>
-            <a:r>
-              <a:rPr lang="en-GB" dirty="0" smtClean="0"/>
-              <a:t>State Estimation</a:t>
-            </a:r>
-          </a:p>
-          <a:p>
-            <a:pPr lvl="1"/>
-            <a:r>
-              <a:rPr lang="en-GB" dirty="0" smtClean="0"/>
-              <a:t>We employ the Extended </a:t>
-            </a:r>
-            <a:r>
-              <a:rPr lang="en-GB" dirty="0" err="1" smtClean="0"/>
-              <a:t>Kalman</a:t>
-            </a:r>
-            <a:r>
-              <a:rPr lang="en-GB" dirty="0" smtClean="0"/>
-              <a:t> Filter Algorithm to estimate quad’s state.</a:t>
-            </a:r>
-          </a:p>
-          <a:p>
-            <a:pPr>
-              <a:buNone/>
-            </a:pPr>
+              <a:t>Robot moves around in the room increasing its location uncertainty.</a:t>
+            </a:r>
+          </a:p>
+          <a:p>
+            <a:r>
+              <a:rPr lang="en-GB" dirty="0" smtClean="0"/>
+              <a:t>It observes features with need to be added to its internal map</a:t>
+            </a:r>
+          </a:p>
+          <a:p>
+            <a:r>
+              <a:rPr lang="en-GB" dirty="0" smtClean="0"/>
+              <a:t>It re-observes these features and makes corrections to adjust its localisation. </a:t>
+            </a:r>
+            <a:endParaRPr lang="en-GB" dirty="0" smtClean="0"/>
+          </a:p>
+          <a:p>
             <a:endParaRPr lang="en-GB" dirty="0"/>
           </a:p>
         </p:txBody>
@@ -5794,7 +6603,7 @@
             <a:pPr algn="r"/>
             <a:r>
               <a:rPr lang="en-GB" dirty="0" smtClean="0"/>
-              <a:t>Feature Extraction(DBSCAN)</a:t>
+              <a:t>High Level Design</a:t>
             </a:r>
             <a:endParaRPr lang="en-GB" dirty="0"/>
           </a:p>
@@ -5802,7 +6611,7 @@
       </p:sp>
       <p:sp>
         <p:nvSpPr>
-          <p:cNvPr id="6" name="Content Placeholder 5"/>
+          <p:cNvPr id="3" name="Content Placeholder 2"/>
           <p:cNvSpPr>
             <a:spLocks noGrp="1"/>
           </p:cNvSpPr>
@@ -5812,7 +6621,7 @@
         </p:nvSpPr>
         <p:spPr>
           <a:xfrm>
-            <a:off x="457200" y="1600200"/>
+            <a:off x="381000" y="1752600"/>
             <a:ext cx="8183880" cy="4187952"/>
           </a:xfrm>
         </p:spPr>
@@ -5822,13 +6631,22 @@
           <a:p>
             <a:r>
               <a:rPr lang="en-GB" dirty="0" smtClean="0"/>
-              <a:t>We extract planes using Density Based Spatial Clustering Algorithm.</a:t>
-            </a:r>
-          </a:p>
-          <a:p>
-            <a:r>
-              <a:rPr lang="en-GB" dirty="0" smtClean="0"/>
-              <a:t> </a:t>
+              <a:t>Feature Extraction</a:t>
+            </a:r>
+          </a:p>
+          <a:p>
+            <a:pPr lvl="1"/>
+            <a:r>
+              <a:rPr lang="en-GB" dirty="0" smtClean="0"/>
+              <a:t>We use planes as landmarks extracted using </a:t>
+            </a:r>
+            <a:r>
+              <a:rPr lang="en-GB" dirty="0" err="1" smtClean="0"/>
+              <a:t>Dscan</a:t>
+            </a:r>
+            <a:r>
+              <a:rPr lang="en-GB" dirty="0" smtClean="0"/>
+              <a:t> algorithm and </a:t>
             </a:r>
             <a:r>
               <a:rPr lang="en-GB" dirty="0" err="1" smtClean="0"/>
@@ -5836,20 +6654,34 @@
             </a:r>
             <a:r>
               <a:rPr lang="en-GB" dirty="0" smtClean="0"/>
-              <a:t> Pro camera produces depth information for pixels.</a:t>
-            </a:r>
-          </a:p>
-          <a:p>
-            <a:r>
-              <a:rPr lang="en-GB" dirty="0" smtClean="0"/>
-              <a:t>We use this to estimate equation of local plane.</a:t>
-            </a:r>
-          </a:p>
-          <a:p>
-            <a:r>
-              <a:rPr lang="en-GB" dirty="0" smtClean="0"/>
-              <a:t>Group locals into cluster.</a:t>
-            </a:r>
+              <a:t> Pro RGB-D camera</a:t>
+            </a:r>
+          </a:p>
+          <a:p>
+            <a:r>
+              <a:rPr lang="en-GB" dirty="0" smtClean="0"/>
+              <a:t>State Estimation</a:t>
+            </a:r>
+          </a:p>
+          <a:p>
+            <a:pPr lvl="1"/>
+            <a:r>
+              <a:rPr lang="en-GB" dirty="0" smtClean="0"/>
+              <a:t>We employ the Extended </a:t>
+            </a:r>
+            <a:r>
+              <a:rPr lang="en-GB" dirty="0" err="1" smtClean="0"/>
+              <a:t>Kalman</a:t>
+            </a:r>
+            <a:r>
+              <a:rPr lang="en-GB" dirty="0" smtClean="0"/>
+              <a:t> Filter Algorithm to estimate quad’s state.</a:t>
+            </a:r>
+          </a:p>
+          <a:p>
+            <a:pPr>
+              <a:buNone/>
+            </a:pPr>
             <a:endParaRPr lang="en-GB" dirty="0"/>
           </a:p>
         </p:txBody>
@@ -5859,6 +6691,13 @@
   <p:clrMapOvr>
     <a:masterClrMapping/>
   </p:clrMapOvr>
+  <p:timing>
+    <p:tnLst>
+      <p:par>
+        <p:cTn id="1" dur="indefinite" restart="never" nodeType="tmRoot"/>
+      </p:par>
+    </p:tnLst>
+  </p:timing>
 </p:sld>
 </file>
 
@@ -5902,45 +6741,95 @@
             <a:pPr algn="r"/>
             <a:r>
               <a:rPr lang="en-GB" dirty="0" smtClean="0"/>
-              <a:t>Feature Extraction(DBSCAN)</a:t>
+              <a:t>Feature </a:t>
+            </a:r>
+            <a:r>
+              <a:rPr lang="en-GB" dirty="0" smtClean="0"/>
+              <a:t>Extraction</a:t>
             </a:r>
             <a:endParaRPr lang="en-GB" dirty="0"/>
           </a:p>
         </p:txBody>
       </p:sp>
-      <p:pic>
-        <p:nvPicPr>
-          <p:cNvPr id="1026" name="Picture 2" descr="\\psf\Home\Documents\FileBase12\3rd Year\Group Project(SLAM)\QuadCopter\report\ImageLib\6planewithspurious.png"/>
-          <p:cNvPicPr>
-            <a:picLocks noGrp="1" noChangeAspect="1" noChangeArrowheads="1"/>
-          </p:cNvPicPr>
+      <p:sp>
+        <p:nvSpPr>
+          <p:cNvPr id="6" name="Content Placeholder 5"/>
+          <p:cNvSpPr>
+            <a:spLocks noGrp="1"/>
+          </p:cNvSpPr>
           <p:nvPr>
             <p:ph idx="1"/>
           </p:nvPr>
-        </p:nvPicPr>
-        <p:blipFill>
-          <a:blip r:embed="rId2" cstate="print"/>
-          <a:srcRect/>
-          <a:stretch>
-            <a:fillRect/>
-          </a:stretch>
-        </p:blipFill>
-        <p:spPr bwMode="auto">
-          <a:xfrm>
-            <a:off x="1657751" y="1774535"/>
-            <a:ext cx="5630061" cy="4143954"/>
-          </a:xfrm>
-          <a:prstGeom prst="rect">
-            <a:avLst/>
-          </a:prstGeom>
-          <a:noFill/>
-        </p:spPr>
-      </p:pic>
+        </p:nvSpPr>
+        <p:spPr>
+          <a:xfrm>
+            <a:off x="457200" y="1600200"/>
+            <a:ext cx="8183880" cy="4187952"/>
+          </a:xfrm>
+        </p:spPr>
+        <p:txBody>
+          <a:bodyPr/>
+          <a:lstStyle/>
+          <a:p>
+            <a:r>
+              <a:rPr lang="en-GB" dirty="0" smtClean="0"/>
+              <a:t>We extract planes </a:t>
+            </a:r>
+            <a:r>
+              <a:rPr lang="en-GB" dirty="0" smtClean="0"/>
+              <a:t>using Point Cloud Library and  </a:t>
+            </a:r>
+            <a:r>
+              <a:rPr lang="en-GB" dirty="0" smtClean="0"/>
+              <a:t>Density Based Spatial Clustering </a:t>
+            </a:r>
+            <a:r>
+              <a:rPr lang="en-GB" dirty="0" smtClean="0"/>
+              <a:t>Algorithm(DBSCAN).</a:t>
+            </a:r>
+            <a:endParaRPr lang="en-GB" dirty="0" smtClean="0"/>
+          </a:p>
+          <a:p>
+            <a:r>
+              <a:rPr lang="en-GB" dirty="0" smtClean="0"/>
+              <a:t> </a:t>
+            </a:r>
+            <a:r>
+              <a:rPr lang="en-GB" dirty="0" err="1" smtClean="0"/>
+              <a:t>Xtion</a:t>
+            </a:r>
+            <a:r>
+              <a:rPr lang="en-GB" dirty="0" smtClean="0"/>
+              <a:t> Pro camera produces depth information for pixels.</a:t>
+            </a:r>
+          </a:p>
+          <a:p>
+            <a:r>
+              <a:rPr lang="en-GB" dirty="0" smtClean="0"/>
+              <a:t>We use this to estimate equation of local plane.</a:t>
+            </a:r>
+          </a:p>
+          <a:p>
+            <a:r>
+              <a:rPr lang="en-GB" dirty="0" smtClean="0"/>
+              <a:t>Group locals into cluster.</a:t>
+            </a:r>
+            <a:endParaRPr lang="en-GB" dirty="0"/>
+          </a:p>
+        </p:txBody>
+      </p:sp>
     </p:spTree>
   </p:cSld>
   <p:clrMapOvr>
     <a:masterClrMapping/>
   </p:clrMapOvr>
+  <p:timing>
+    <p:tnLst>
+      <p:par>
+        <p:cTn id="1" dur="indefinite" restart="never" nodeType="tmRoot"/>
+      </p:par>
+    </p:tnLst>
+  </p:timing>
 </p:sld>
 </file>
 
@@ -5984,92 +6873,52 @@
             <a:pPr algn="r"/>
             <a:r>
               <a:rPr lang="en-GB" dirty="0" smtClean="0"/>
-              <a:t>State Estimation</a:t>
+              <a:t>Feature Extraction(DBSCAN)</a:t>
             </a:r>
             <a:endParaRPr lang="en-GB" dirty="0"/>
           </a:p>
         </p:txBody>
       </p:sp>
-      <p:sp>
-        <p:nvSpPr>
-          <p:cNvPr id="4" name="Content Placeholder 3"/>
-          <p:cNvSpPr>
-            <a:spLocks noGrp="1"/>
-          </p:cNvSpPr>
+      <p:pic>
+        <p:nvPicPr>
+          <p:cNvPr id="1026" name="Picture 2" descr="\\psf\Home\Documents\FileBase12\3rd Year\Group Project(SLAM)\QuadCopter\report\ImageLib\6planewithspurious.png"/>
+          <p:cNvPicPr>
+            <a:picLocks noGrp="1" noChangeAspect="1" noChangeArrowheads="1"/>
+          </p:cNvPicPr>
           <p:nvPr>
             <p:ph idx="1"/>
           </p:nvPr>
-        </p:nvSpPr>
-        <p:spPr>
-          <a:xfrm>
-            <a:off x="533400" y="1676400"/>
-            <a:ext cx="8183880" cy="4187952"/>
-          </a:xfrm>
-        </p:spPr>
-        <p:txBody>
-          <a:bodyPr/>
-          <a:lstStyle/>
-          <a:p>
-            <a:r>
-              <a:rPr lang="en-GB" dirty="0" smtClean="0"/>
-              <a:t>Using the Extended </a:t>
-            </a:r>
-            <a:r>
-              <a:rPr lang="en-GB" dirty="0" err="1" smtClean="0"/>
-              <a:t>Kalman</a:t>
-            </a:r>
-            <a:r>
-              <a:rPr lang="en-GB" dirty="0" smtClean="0"/>
-              <a:t> filter we track:</a:t>
-            </a:r>
-          </a:p>
-          <a:p>
-            <a:pPr lvl="1"/>
-            <a:r>
-              <a:rPr lang="en-GB" dirty="0" smtClean="0"/>
-              <a:t>Position</a:t>
-            </a:r>
-          </a:p>
-          <a:p>
-            <a:pPr lvl="1"/>
-            <a:r>
-              <a:rPr lang="en-GB" dirty="0" smtClean="0"/>
-              <a:t>Speed</a:t>
-            </a:r>
-          </a:p>
-          <a:p>
-            <a:pPr lvl="1"/>
-            <a:r>
-              <a:rPr lang="en-GB" dirty="0" smtClean="0"/>
-              <a:t>Attitude(Yaw, Pitch, Roll</a:t>
-            </a:r>
-            <a:r>
-              <a:rPr lang="en-GB" dirty="0" smtClean="0"/>
-              <a:t>)</a:t>
-            </a:r>
-          </a:p>
-          <a:p>
-            <a:r>
-              <a:rPr lang="en-GB" dirty="0" smtClean="0"/>
-              <a:t>We model our system using inertial sensor data and do not use a physical model of the </a:t>
-            </a:r>
-            <a:r>
-              <a:rPr lang="en-GB" dirty="0" err="1" smtClean="0"/>
-              <a:t>quadcopter</a:t>
-            </a:r>
-            <a:r>
-              <a:rPr lang="en-GB" dirty="0" smtClean="0"/>
-              <a:t>.</a:t>
-            </a:r>
-            <a:endParaRPr lang="en-GB" dirty="0"/>
-          </a:p>
-        </p:txBody>
-      </p:sp>
+        </p:nvPicPr>
+        <p:blipFill>
+          <a:blip r:embed="rId2" cstate="print"/>
+          <a:srcRect/>
+          <a:stretch>
+            <a:fillRect/>
+          </a:stretch>
+        </p:blipFill>
+        <p:spPr bwMode="auto">
+          <a:xfrm>
+            <a:off x="1657751" y="1774535"/>
+            <a:ext cx="5630061" cy="4143954"/>
+          </a:xfrm>
+          <a:prstGeom prst="rect">
+            <a:avLst/>
+          </a:prstGeom>
+          <a:noFill/>
+        </p:spPr>
+      </p:pic>
     </p:spTree>
   </p:cSld>
   <p:clrMapOvr>
     <a:masterClrMapping/>
   </p:clrMapOvr>
+  <p:timing>
+    <p:tnLst>
+      <p:par>
+        <p:cTn id="1" dur="indefinite" restart="never" nodeType="tmRoot"/>
+      </p:par>
+    </p:tnLst>
+  </p:timing>
 </p:sld>
 </file>
 
@@ -6112,830 +6961,96 @@
           <a:p>
             <a:pPr algn="r"/>
             <a:r>
+              <a:rPr lang="en-GB" dirty="0" smtClean="0"/>
+              <a:t>State Estimation</a:t>
+            </a:r>
+            <a:endParaRPr lang="en-GB" dirty="0"/>
+          </a:p>
+        </p:txBody>
+      </p:sp>
+      <p:sp>
+        <p:nvSpPr>
+          <p:cNvPr id="4" name="Content Placeholder 3"/>
+          <p:cNvSpPr>
+            <a:spLocks noGrp="1"/>
+          </p:cNvSpPr>
+          <p:nvPr>
+            <p:ph idx="1"/>
+          </p:nvPr>
+        </p:nvSpPr>
+        <p:spPr>
+          <a:xfrm>
+            <a:off x="533400" y="1676400"/>
+            <a:ext cx="8183880" cy="4187952"/>
+          </a:xfrm>
+        </p:spPr>
+        <p:txBody>
+          <a:bodyPr/>
+          <a:lstStyle/>
+          <a:p>
+            <a:r>
+              <a:rPr lang="en-GB" dirty="0" smtClean="0"/>
+              <a:t>Using the Extended </a:t>
+            </a:r>
+            <a:r>
               <a:rPr lang="en-GB" dirty="0" err="1" smtClean="0"/>
               <a:t>Kalman</a:t>
             </a:r>
             <a:r>
               <a:rPr lang="en-GB" dirty="0" smtClean="0"/>
-              <a:t> Filter Algorithm</a:t>
+              <a:t> filter we track:</a:t>
+            </a:r>
+          </a:p>
+          <a:p>
+            <a:pPr lvl="1"/>
+            <a:r>
+              <a:rPr lang="en-GB" dirty="0" smtClean="0"/>
+              <a:t>Position</a:t>
+            </a:r>
+          </a:p>
+          <a:p>
+            <a:pPr lvl="1"/>
+            <a:r>
+              <a:rPr lang="en-GB" dirty="0" smtClean="0"/>
+              <a:t>Speed</a:t>
+            </a:r>
+          </a:p>
+          <a:p>
+            <a:pPr lvl="1"/>
+            <a:r>
+              <a:rPr lang="en-GB" dirty="0" smtClean="0"/>
+              <a:t>Attitude(Yaw, Pitch, Roll)</a:t>
+            </a:r>
+          </a:p>
+          <a:p>
+            <a:r>
+              <a:rPr lang="en-GB" dirty="0" smtClean="0"/>
+              <a:t>We model our system using inertial sensor data and do not use a physical model of the </a:t>
+            </a:r>
+            <a:r>
+              <a:rPr lang="en-GB" dirty="0" err="1" smtClean="0"/>
+              <a:t>quadcopter</a:t>
+            </a:r>
+            <a:r>
+              <a:rPr lang="en-GB" dirty="0" smtClean="0"/>
+              <a:t>.</a:t>
             </a:r>
             <a:endParaRPr lang="en-GB" dirty="0"/>
           </a:p>
         </p:txBody>
       </p:sp>
-      <p:sp>
-        <p:nvSpPr>
-          <p:cNvPr id="27" name="Rectangle 26"/>
-          <p:cNvSpPr/>
-          <p:nvPr/>
-        </p:nvSpPr>
-        <p:spPr>
-          <a:xfrm>
-            <a:off x="2667000" y="1905000"/>
-            <a:ext cx="914400" cy="542925"/>
-          </a:xfrm>
-          <a:prstGeom prst="rect">
-            <a:avLst/>
-          </a:prstGeom>
-        </p:spPr>
-        <p:style>
-          <a:lnRef idx="2">
-            <a:schemeClr val="accent1">
-              <a:shade val="50000"/>
-            </a:schemeClr>
-          </a:lnRef>
-          <a:fillRef idx="1">
-            <a:schemeClr val="accent1"/>
-          </a:fillRef>
-          <a:effectRef idx="0">
-            <a:schemeClr val="accent1"/>
-          </a:effectRef>
-          <a:fontRef idx="minor">
-            <a:schemeClr val="lt1"/>
-          </a:fontRef>
-        </p:style>
-        <p:txBody>
-          <a:bodyPr rtlCol="0" anchor="ctr"/>
-          <a:lstStyle/>
-          <a:p>
-            <a:pPr algn="ctr"/>
-            <a:r>
-              <a:rPr lang="en-GB" sz="1100" dirty="0" smtClean="0"/>
-              <a:t>P</a:t>
-            </a:r>
-            <a:r>
-              <a:rPr lang="en-GB" sz="1100" baseline="-25000" dirty="0" smtClean="0"/>
-              <a:t>k-1|k-1</a:t>
-            </a:r>
-          </a:p>
-          <a:p>
-            <a:pPr algn="ctr"/>
-            <a:r>
-              <a:rPr lang="en-GB" sz="1100" dirty="0"/>
-              <a:t>x</a:t>
-            </a:r>
-            <a:r>
-              <a:rPr lang="en-GB" sz="1100" baseline="-25000" dirty="0" smtClean="0"/>
-              <a:t>K-1|k-1</a:t>
-            </a:r>
-            <a:r>
-              <a:rPr lang="en-US" sz="1100" dirty="0" smtClean="0"/>
-              <a:t>    </a:t>
-            </a:r>
-            <a:endParaRPr lang="en-GB" sz="1100" dirty="0"/>
-          </a:p>
-        </p:txBody>
-      </p:sp>
-      <p:sp>
-        <p:nvSpPr>
-          <p:cNvPr id="28" name="Oval 27"/>
-          <p:cNvSpPr/>
-          <p:nvPr/>
-        </p:nvSpPr>
-        <p:spPr>
-          <a:xfrm>
-            <a:off x="533400" y="1676400"/>
-            <a:ext cx="1524000" cy="990600"/>
-          </a:xfrm>
-          <a:prstGeom prst="ellipse">
-            <a:avLst/>
-          </a:prstGeom>
-        </p:spPr>
-        <p:style>
-          <a:lnRef idx="2">
-            <a:schemeClr val="accent1">
-              <a:shade val="50000"/>
-            </a:schemeClr>
-          </a:lnRef>
-          <a:fillRef idx="1">
-            <a:schemeClr val="accent1"/>
-          </a:fillRef>
-          <a:effectRef idx="0">
-            <a:schemeClr val="accent1"/>
-          </a:effectRef>
-          <a:fontRef idx="minor">
-            <a:schemeClr val="lt1"/>
-          </a:fontRef>
-        </p:style>
-        <p:txBody>
-          <a:bodyPr rtlCol="0" anchor="ctr"/>
-          <a:lstStyle/>
-          <a:p>
-            <a:pPr algn="ctr"/>
-            <a:r>
-              <a:rPr lang="en-GB" sz="1200" dirty="0" smtClean="0"/>
-              <a:t>Prior State Knowledge</a:t>
-            </a:r>
-            <a:endParaRPr lang="en-GB" sz="1200" dirty="0"/>
-          </a:p>
-        </p:txBody>
-      </p:sp>
-      <p:cxnSp>
-        <p:nvCxnSpPr>
-          <p:cNvPr id="29" name="Straight Arrow Connector 28"/>
-          <p:cNvCxnSpPr>
-            <a:stCxn id="28" idx="6"/>
-            <a:endCxn id="27" idx="1"/>
-          </p:cNvCxnSpPr>
-          <p:nvPr/>
-        </p:nvCxnSpPr>
-        <p:spPr>
-          <a:xfrm>
-            <a:off x="2057400" y="2171700"/>
-            <a:ext cx="609600" cy="4763"/>
-          </a:xfrm>
-          <a:prstGeom prst="straightConnector1">
-            <a:avLst/>
-          </a:prstGeom>
-          <a:ln>
-            <a:tailEnd type="arrow"/>
-          </a:ln>
-        </p:spPr>
-        <p:style>
-          <a:lnRef idx="1">
-            <a:schemeClr val="accent1"/>
-          </a:lnRef>
-          <a:fillRef idx="0">
-            <a:schemeClr val="accent1"/>
-          </a:fillRef>
-          <a:effectRef idx="0">
-            <a:schemeClr val="accent1"/>
-          </a:effectRef>
-          <a:fontRef idx="minor">
-            <a:schemeClr val="tx1"/>
-          </a:fontRef>
-        </p:style>
-      </p:cxnSp>
-      <p:sp>
-        <p:nvSpPr>
-          <p:cNvPr id="30" name="Oval 29"/>
-          <p:cNvSpPr/>
-          <p:nvPr/>
-        </p:nvSpPr>
-        <p:spPr>
-          <a:xfrm>
-            <a:off x="4876800" y="1676400"/>
-            <a:ext cx="1524000" cy="990600"/>
-          </a:xfrm>
-          <a:prstGeom prst="ellipse">
-            <a:avLst/>
-          </a:prstGeom>
-        </p:spPr>
-        <p:style>
-          <a:lnRef idx="2">
-            <a:schemeClr val="accent1">
-              <a:shade val="50000"/>
-            </a:schemeClr>
-          </a:lnRef>
-          <a:fillRef idx="1">
-            <a:schemeClr val="accent1"/>
-          </a:fillRef>
-          <a:effectRef idx="0">
-            <a:schemeClr val="accent1"/>
-          </a:effectRef>
-          <a:fontRef idx="minor">
-            <a:schemeClr val="lt1"/>
-          </a:fontRef>
-        </p:style>
-        <p:txBody>
-          <a:bodyPr rtlCol="0" anchor="ctr"/>
-          <a:lstStyle/>
-          <a:p>
-            <a:pPr algn="ctr"/>
-            <a:r>
-              <a:rPr lang="en-GB" sz="1100" dirty="0" smtClean="0"/>
-              <a:t>Prediction step based on motion model</a:t>
-            </a:r>
-            <a:endParaRPr lang="en-GB" sz="1100" dirty="0"/>
-          </a:p>
-        </p:txBody>
-      </p:sp>
-      <p:cxnSp>
-        <p:nvCxnSpPr>
-          <p:cNvPr id="31" name="Straight Arrow Connector 30"/>
-          <p:cNvCxnSpPr>
-            <a:stCxn id="27" idx="3"/>
-            <a:endCxn id="30" idx="2"/>
-          </p:cNvCxnSpPr>
-          <p:nvPr/>
-        </p:nvCxnSpPr>
-        <p:spPr>
-          <a:xfrm flipV="1">
-            <a:off x="3581400" y="2171700"/>
-            <a:ext cx="1295400" cy="4763"/>
-          </a:xfrm>
-          <a:prstGeom prst="straightConnector1">
-            <a:avLst/>
-          </a:prstGeom>
-          <a:ln>
-            <a:tailEnd type="arrow"/>
-          </a:ln>
-        </p:spPr>
-        <p:style>
-          <a:lnRef idx="1">
-            <a:schemeClr val="accent1"/>
-          </a:lnRef>
-          <a:fillRef idx="0">
-            <a:schemeClr val="accent1"/>
-          </a:fillRef>
-          <a:effectRef idx="0">
-            <a:schemeClr val="accent1"/>
-          </a:effectRef>
-          <a:fontRef idx="minor">
-            <a:schemeClr val="tx1"/>
-          </a:fontRef>
-        </p:style>
-      </p:cxnSp>
-      <p:sp>
-        <p:nvSpPr>
-          <p:cNvPr id="32" name="Rectangle 31"/>
-          <p:cNvSpPr/>
-          <p:nvPr/>
-        </p:nvSpPr>
-        <p:spPr>
-          <a:xfrm>
-            <a:off x="5181600" y="2895600"/>
-            <a:ext cx="911942" cy="557213"/>
-          </a:xfrm>
-          <a:prstGeom prst="rect">
-            <a:avLst/>
-          </a:prstGeom>
-        </p:spPr>
-        <p:style>
-          <a:lnRef idx="2">
-            <a:schemeClr val="accent1">
-              <a:shade val="50000"/>
-            </a:schemeClr>
-          </a:lnRef>
-          <a:fillRef idx="1">
-            <a:schemeClr val="accent1"/>
-          </a:fillRef>
-          <a:effectRef idx="0">
-            <a:schemeClr val="accent1"/>
-          </a:effectRef>
-          <a:fontRef idx="minor">
-            <a:schemeClr val="lt1"/>
-          </a:fontRef>
-        </p:style>
-        <p:txBody>
-          <a:bodyPr rtlCol="0" anchor="ctr"/>
-          <a:lstStyle/>
-          <a:p>
-            <a:pPr algn="ctr"/>
-            <a:r>
-              <a:rPr lang="en-GB" sz="1100" dirty="0" smtClean="0"/>
-              <a:t>P</a:t>
-            </a:r>
-            <a:r>
-              <a:rPr lang="en-GB" sz="1100" baseline="-25000" dirty="0" smtClean="0"/>
-              <a:t>k|k-1</a:t>
-            </a:r>
-          </a:p>
-          <a:p>
-            <a:pPr algn="ctr"/>
-            <a:r>
-              <a:rPr lang="en-GB" sz="1100" dirty="0" smtClean="0"/>
-              <a:t>x</a:t>
-            </a:r>
-            <a:r>
-              <a:rPr lang="en-GB" sz="1100" baseline="-25000" dirty="0" smtClean="0"/>
-              <a:t>K|k-1</a:t>
-            </a:r>
-            <a:r>
-              <a:rPr lang="en-US" sz="1100" dirty="0" smtClean="0"/>
-              <a:t>    </a:t>
-            </a:r>
-            <a:endParaRPr lang="en-GB" sz="1100" dirty="0"/>
-          </a:p>
-        </p:txBody>
-      </p:sp>
-      <p:cxnSp>
-        <p:nvCxnSpPr>
-          <p:cNvPr id="33" name="Straight Arrow Connector 32"/>
-          <p:cNvCxnSpPr>
-            <a:stCxn id="30" idx="4"/>
-            <a:endCxn id="32" idx="0"/>
-          </p:cNvCxnSpPr>
-          <p:nvPr/>
-        </p:nvCxnSpPr>
-        <p:spPr>
-          <a:xfrm flipH="1">
-            <a:off x="5637571" y="2667000"/>
-            <a:ext cx="1229" cy="228600"/>
-          </a:xfrm>
-          <a:prstGeom prst="straightConnector1">
-            <a:avLst/>
-          </a:prstGeom>
-          <a:ln>
-            <a:tailEnd type="arrow"/>
-          </a:ln>
-        </p:spPr>
-        <p:style>
-          <a:lnRef idx="1">
-            <a:schemeClr val="accent1"/>
-          </a:lnRef>
-          <a:fillRef idx="0">
-            <a:schemeClr val="accent1"/>
-          </a:fillRef>
-          <a:effectRef idx="0">
-            <a:schemeClr val="accent1"/>
-          </a:effectRef>
-          <a:fontRef idx="minor">
-            <a:schemeClr val="tx1"/>
-          </a:fontRef>
-        </p:style>
-      </p:cxnSp>
-      <p:sp>
-        <p:nvSpPr>
-          <p:cNvPr id="34" name="Oval 33"/>
-          <p:cNvSpPr/>
-          <p:nvPr/>
-        </p:nvSpPr>
-        <p:spPr>
-          <a:xfrm>
-            <a:off x="4876800" y="3733800"/>
-            <a:ext cx="1524000" cy="990600"/>
-          </a:xfrm>
-          <a:prstGeom prst="ellipse">
-            <a:avLst/>
-          </a:prstGeom>
-        </p:spPr>
-        <p:style>
-          <a:lnRef idx="2">
-            <a:schemeClr val="accent1">
-              <a:shade val="50000"/>
-            </a:schemeClr>
-          </a:lnRef>
-          <a:fillRef idx="1">
-            <a:schemeClr val="accent1"/>
-          </a:fillRef>
-          <a:effectRef idx="0">
-            <a:schemeClr val="accent1"/>
-          </a:effectRef>
-          <a:fontRef idx="minor">
-            <a:schemeClr val="lt1"/>
-          </a:fontRef>
-        </p:style>
-        <p:txBody>
-          <a:bodyPr rtlCol="0" anchor="ctr"/>
-          <a:lstStyle/>
-          <a:p>
-            <a:pPr algn="ctr"/>
-            <a:r>
-              <a:rPr lang="en-GB" sz="1100" dirty="0" smtClean="0"/>
-              <a:t>Update step </a:t>
-            </a:r>
-          </a:p>
-          <a:p>
-            <a:pPr algn="ctr"/>
-            <a:r>
-              <a:rPr lang="en-GB" sz="1100" dirty="0" smtClean="0"/>
-              <a:t>Compare prediction to  measurement</a:t>
-            </a:r>
-            <a:endParaRPr lang="en-GB" sz="1100" dirty="0"/>
-          </a:p>
-        </p:txBody>
-      </p:sp>
-      <p:cxnSp>
-        <p:nvCxnSpPr>
-          <p:cNvPr id="35" name="Straight Arrow Connector 34"/>
-          <p:cNvCxnSpPr>
-            <a:stCxn id="32" idx="2"/>
-            <a:endCxn id="34" idx="0"/>
-          </p:cNvCxnSpPr>
-          <p:nvPr/>
-        </p:nvCxnSpPr>
-        <p:spPr>
-          <a:xfrm>
-            <a:off x="5637571" y="3452813"/>
-            <a:ext cx="1229" cy="280987"/>
-          </a:xfrm>
-          <a:prstGeom prst="straightConnector1">
-            <a:avLst/>
-          </a:prstGeom>
-          <a:ln>
-            <a:tailEnd type="arrow"/>
-          </a:ln>
-        </p:spPr>
-        <p:style>
-          <a:lnRef idx="1">
-            <a:schemeClr val="accent1"/>
-          </a:lnRef>
-          <a:fillRef idx="0">
-            <a:schemeClr val="accent1"/>
-          </a:fillRef>
-          <a:effectRef idx="0">
-            <a:schemeClr val="accent1"/>
-          </a:effectRef>
-          <a:fontRef idx="minor">
-            <a:schemeClr val="tx1"/>
-          </a:fontRef>
-        </p:style>
-      </p:cxnSp>
-      <p:sp>
-        <p:nvSpPr>
-          <p:cNvPr id="36" name="Rectangle 35"/>
-          <p:cNvSpPr/>
-          <p:nvPr/>
-        </p:nvSpPr>
-        <p:spPr>
-          <a:xfrm>
-            <a:off x="7239000" y="3810000"/>
-            <a:ext cx="1260987" cy="866775"/>
-          </a:xfrm>
-          <a:prstGeom prst="rect">
-            <a:avLst/>
-          </a:prstGeom>
-        </p:spPr>
-        <p:style>
-          <a:lnRef idx="2">
-            <a:schemeClr val="accent1">
-              <a:shade val="50000"/>
-            </a:schemeClr>
-          </a:lnRef>
-          <a:fillRef idx="1">
-            <a:schemeClr val="accent1"/>
-          </a:fillRef>
-          <a:effectRef idx="0">
-            <a:schemeClr val="accent1"/>
-          </a:effectRef>
-          <a:fontRef idx="minor">
-            <a:schemeClr val="lt1"/>
-          </a:fontRef>
-        </p:style>
-        <p:txBody>
-          <a:bodyPr rtlCol="0" anchor="ctr"/>
-          <a:lstStyle/>
-          <a:p>
-            <a:pPr algn="ctr"/>
-            <a:r>
-              <a:rPr lang="en-GB" sz="1100" dirty="0" smtClean="0"/>
-              <a:t>Measurements</a:t>
-            </a:r>
-            <a:endParaRPr lang="en-GB" sz="1100" baseline="-25000" dirty="0" smtClean="0"/>
-          </a:p>
-          <a:p>
-            <a:pPr algn="ctr"/>
-            <a:r>
-              <a:rPr lang="en-GB" sz="1100" dirty="0" smtClean="0"/>
-              <a:t>Extracted features/ Plane</a:t>
-            </a:r>
-            <a:r>
-              <a:rPr lang="en-US" sz="1100" dirty="0" smtClean="0"/>
-              <a:t>s</a:t>
-            </a:r>
-            <a:endParaRPr lang="en-GB" sz="1100" dirty="0"/>
-          </a:p>
-        </p:txBody>
-      </p:sp>
-      <p:sp>
-        <p:nvSpPr>
-          <p:cNvPr id="37" name="Rectangle 36"/>
-          <p:cNvSpPr/>
-          <p:nvPr/>
-        </p:nvSpPr>
-        <p:spPr>
-          <a:xfrm>
-            <a:off x="2667000" y="3886200"/>
-            <a:ext cx="914400" cy="619125"/>
-          </a:xfrm>
-          <a:prstGeom prst="rect">
-            <a:avLst/>
-          </a:prstGeom>
-        </p:spPr>
-        <p:style>
-          <a:lnRef idx="2">
-            <a:schemeClr val="accent1">
-              <a:shade val="50000"/>
-            </a:schemeClr>
-          </a:lnRef>
-          <a:fillRef idx="1">
-            <a:schemeClr val="accent1"/>
-          </a:fillRef>
-          <a:effectRef idx="0">
-            <a:schemeClr val="accent1"/>
-          </a:effectRef>
-          <a:fontRef idx="minor">
-            <a:schemeClr val="lt1"/>
-          </a:fontRef>
-        </p:style>
-        <p:txBody>
-          <a:bodyPr rtlCol="0" anchor="ctr"/>
-          <a:lstStyle/>
-          <a:p>
-            <a:pPr algn="ctr"/>
-            <a:r>
-              <a:rPr lang="en-GB" sz="1100" dirty="0" err="1" smtClean="0"/>
-              <a:t>P</a:t>
-            </a:r>
-            <a:r>
-              <a:rPr lang="en-GB" sz="1100" baseline="-25000" dirty="0" err="1" smtClean="0"/>
-              <a:t>k|k</a:t>
-            </a:r>
-            <a:endParaRPr lang="en-GB" sz="1100" baseline="-25000" dirty="0" smtClean="0"/>
-          </a:p>
-          <a:p>
-            <a:pPr algn="ctr"/>
-            <a:r>
-              <a:rPr lang="en-GB" sz="1100" dirty="0" err="1" smtClean="0"/>
-              <a:t>x</a:t>
-            </a:r>
-            <a:r>
-              <a:rPr lang="en-GB" sz="1100" baseline="-25000" dirty="0" err="1" smtClean="0"/>
-              <a:t>K|k</a:t>
-            </a:r>
-            <a:r>
-              <a:rPr lang="en-US" sz="1100" dirty="0" smtClean="0"/>
-              <a:t>    </a:t>
-            </a:r>
-            <a:endParaRPr lang="en-GB" sz="1100" dirty="0"/>
-          </a:p>
-        </p:txBody>
-      </p:sp>
-      <p:sp>
-        <p:nvSpPr>
-          <p:cNvPr id="38" name="Rectangle 37"/>
-          <p:cNvSpPr/>
-          <p:nvPr/>
-        </p:nvSpPr>
-        <p:spPr>
-          <a:xfrm>
-            <a:off x="2590800" y="2743200"/>
-            <a:ext cx="1066800" cy="804863"/>
-          </a:xfrm>
-          <a:prstGeom prst="rect">
-            <a:avLst/>
-          </a:prstGeom>
-        </p:spPr>
-        <p:style>
-          <a:lnRef idx="2">
-            <a:schemeClr val="accent1">
-              <a:shade val="50000"/>
-            </a:schemeClr>
-          </a:lnRef>
-          <a:fillRef idx="1">
-            <a:schemeClr val="accent1"/>
-          </a:fillRef>
-          <a:effectRef idx="0">
-            <a:schemeClr val="accent1"/>
-          </a:effectRef>
-          <a:fontRef idx="minor">
-            <a:schemeClr val="lt1"/>
-          </a:fontRef>
-        </p:style>
-        <p:txBody>
-          <a:bodyPr rtlCol="0" anchor="ctr"/>
-          <a:lstStyle/>
-          <a:p>
-            <a:pPr algn="ctr"/>
-            <a:r>
-              <a:rPr lang="en-GB" sz="1100" dirty="0" smtClean="0"/>
-              <a:t>Next </a:t>
-            </a:r>
-            <a:r>
-              <a:rPr lang="en-GB" sz="1100" dirty="0" err="1" smtClean="0"/>
-              <a:t>timestep</a:t>
-            </a:r>
-            <a:endParaRPr lang="en-GB" sz="1100" dirty="0" smtClean="0"/>
-          </a:p>
-          <a:p>
-            <a:pPr algn="ctr"/>
-            <a:r>
-              <a:rPr lang="en-GB" sz="1100" dirty="0" smtClean="0"/>
-              <a:t>K ←K+1</a:t>
-            </a:r>
-          </a:p>
-        </p:txBody>
-      </p:sp>
-      <p:cxnSp>
-        <p:nvCxnSpPr>
-          <p:cNvPr id="39" name="Straight Arrow Connector 38"/>
-          <p:cNvCxnSpPr>
-            <a:stCxn id="37" idx="0"/>
-            <a:endCxn id="38" idx="2"/>
-          </p:cNvCxnSpPr>
-          <p:nvPr/>
-        </p:nvCxnSpPr>
-        <p:spPr>
-          <a:xfrm flipV="1">
-            <a:off x="3124200" y="3548063"/>
-            <a:ext cx="0" cy="338137"/>
-          </a:xfrm>
-          <a:prstGeom prst="straightConnector1">
-            <a:avLst/>
-          </a:prstGeom>
-          <a:ln>
-            <a:tailEnd type="arrow"/>
-          </a:ln>
-        </p:spPr>
-        <p:style>
-          <a:lnRef idx="1">
-            <a:schemeClr val="accent1"/>
-          </a:lnRef>
-          <a:fillRef idx="0">
-            <a:schemeClr val="accent1"/>
-          </a:fillRef>
-          <a:effectRef idx="0">
-            <a:schemeClr val="accent1"/>
-          </a:effectRef>
-          <a:fontRef idx="minor">
-            <a:schemeClr val="tx1"/>
-          </a:fontRef>
-        </p:style>
-      </p:cxnSp>
-      <p:cxnSp>
-        <p:nvCxnSpPr>
-          <p:cNvPr id="40" name="Straight Arrow Connector 39"/>
-          <p:cNvCxnSpPr>
-            <a:stCxn id="38" idx="0"/>
-            <a:endCxn id="27" idx="2"/>
-          </p:cNvCxnSpPr>
-          <p:nvPr/>
-        </p:nvCxnSpPr>
-        <p:spPr>
-          <a:xfrm flipV="1">
-            <a:off x="3124200" y="2447925"/>
-            <a:ext cx="0" cy="295275"/>
-          </a:xfrm>
-          <a:prstGeom prst="straightConnector1">
-            <a:avLst/>
-          </a:prstGeom>
-          <a:ln>
-            <a:tailEnd type="arrow"/>
-          </a:ln>
-        </p:spPr>
-        <p:style>
-          <a:lnRef idx="1">
-            <a:schemeClr val="accent1"/>
-          </a:lnRef>
-          <a:fillRef idx="0">
-            <a:schemeClr val="accent1"/>
-          </a:fillRef>
-          <a:effectRef idx="0">
-            <a:schemeClr val="accent1"/>
-          </a:effectRef>
-          <a:fontRef idx="minor">
-            <a:schemeClr val="tx1"/>
-          </a:fontRef>
-        </p:style>
-      </p:cxnSp>
-      <p:cxnSp>
-        <p:nvCxnSpPr>
-          <p:cNvPr id="41" name="Straight Arrow Connector 40"/>
-          <p:cNvCxnSpPr>
-            <a:stCxn id="34" idx="2"/>
-            <a:endCxn id="37" idx="3"/>
-          </p:cNvCxnSpPr>
-          <p:nvPr/>
-        </p:nvCxnSpPr>
-        <p:spPr>
-          <a:xfrm flipH="1" flipV="1">
-            <a:off x="3581400" y="4195763"/>
-            <a:ext cx="1295400" cy="33337"/>
-          </a:xfrm>
-          <a:prstGeom prst="straightConnector1">
-            <a:avLst/>
-          </a:prstGeom>
-          <a:ln>
-            <a:tailEnd type="arrow"/>
-          </a:ln>
-        </p:spPr>
-        <p:style>
-          <a:lnRef idx="1">
-            <a:schemeClr val="accent1"/>
-          </a:lnRef>
-          <a:fillRef idx="0">
-            <a:schemeClr val="accent1"/>
-          </a:fillRef>
-          <a:effectRef idx="0">
-            <a:schemeClr val="accent1"/>
-          </a:effectRef>
-          <a:fontRef idx="minor">
-            <a:schemeClr val="tx1"/>
-          </a:fontRef>
-        </p:style>
-      </p:cxnSp>
-      <p:sp>
-        <p:nvSpPr>
-          <p:cNvPr id="42" name="Oval 41"/>
-          <p:cNvSpPr/>
-          <p:nvPr/>
-        </p:nvSpPr>
-        <p:spPr>
-          <a:xfrm>
-            <a:off x="2362200" y="4800600"/>
-            <a:ext cx="1524000" cy="990600"/>
-          </a:xfrm>
-          <a:prstGeom prst="ellipse">
-            <a:avLst/>
-          </a:prstGeom>
-        </p:spPr>
-        <p:style>
-          <a:lnRef idx="2">
-            <a:schemeClr val="accent1">
-              <a:shade val="50000"/>
-            </a:schemeClr>
-          </a:lnRef>
-          <a:fillRef idx="1">
-            <a:schemeClr val="accent1"/>
-          </a:fillRef>
-          <a:effectRef idx="0">
-            <a:schemeClr val="accent1"/>
-          </a:effectRef>
-          <a:fontRef idx="minor">
-            <a:schemeClr val="lt1"/>
-          </a:fontRef>
-        </p:style>
-        <p:txBody>
-          <a:bodyPr rtlCol="0" anchor="ctr"/>
-          <a:lstStyle/>
-          <a:p>
-            <a:pPr algn="ctr"/>
-            <a:r>
-              <a:rPr lang="en-GB" sz="1100" dirty="0" smtClean="0"/>
-              <a:t>Output estimate of state</a:t>
-            </a:r>
-            <a:endParaRPr lang="en-GB" sz="1100" dirty="0"/>
-          </a:p>
-        </p:txBody>
-      </p:sp>
-      <p:cxnSp>
-        <p:nvCxnSpPr>
-          <p:cNvPr id="43" name="Straight Arrow Connector 42"/>
-          <p:cNvCxnSpPr>
-            <a:stCxn id="37" idx="2"/>
-            <a:endCxn id="42" idx="0"/>
-          </p:cNvCxnSpPr>
-          <p:nvPr/>
-        </p:nvCxnSpPr>
-        <p:spPr>
-          <a:xfrm>
-            <a:off x="3124200" y="4505325"/>
-            <a:ext cx="0" cy="295275"/>
-          </a:xfrm>
-          <a:prstGeom prst="straightConnector1">
-            <a:avLst/>
-          </a:prstGeom>
-          <a:ln>
-            <a:tailEnd type="arrow"/>
-          </a:ln>
-        </p:spPr>
-        <p:style>
-          <a:lnRef idx="1">
-            <a:schemeClr val="accent1"/>
-          </a:lnRef>
-          <a:fillRef idx="0">
-            <a:schemeClr val="accent1"/>
-          </a:fillRef>
-          <a:effectRef idx="0">
-            <a:schemeClr val="accent1"/>
-          </a:effectRef>
-          <a:fontRef idx="minor">
-            <a:schemeClr val="tx1"/>
-          </a:fontRef>
-        </p:style>
-      </p:cxnSp>
-      <p:cxnSp>
-        <p:nvCxnSpPr>
-          <p:cNvPr id="44" name="Straight Arrow Connector 43"/>
-          <p:cNvCxnSpPr>
-            <a:stCxn id="36" idx="1"/>
-            <a:endCxn id="34" idx="6"/>
-          </p:cNvCxnSpPr>
-          <p:nvPr/>
-        </p:nvCxnSpPr>
-        <p:spPr>
-          <a:xfrm flipH="1" flipV="1">
-            <a:off x="6400800" y="4229100"/>
-            <a:ext cx="838200" cy="14288"/>
-          </a:xfrm>
-          <a:prstGeom prst="straightConnector1">
-            <a:avLst/>
-          </a:prstGeom>
-          <a:ln>
-            <a:tailEnd type="arrow"/>
-          </a:ln>
-        </p:spPr>
-        <p:style>
-          <a:lnRef idx="1">
-            <a:schemeClr val="accent1"/>
-          </a:lnRef>
-          <a:fillRef idx="0">
-            <a:schemeClr val="accent1"/>
-          </a:fillRef>
-          <a:effectRef idx="0">
-            <a:schemeClr val="accent1"/>
-          </a:effectRef>
-          <a:fontRef idx="minor">
-            <a:schemeClr val="tx1"/>
-          </a:fontRef>
-        </p:style>
-      </p:cxnSp>
     </p:spTree>
   </p:cSld>
   <p:clrMapOvr>
     <a:masterClrMapping/>
   </p:clrMapOvr>
+  <p:timing>
+    <p:tnLst>
+      <p:par>
+        <p:cTn id="1" dur="indefinite" restart="never" nodeType="tmRoot"/>
+      </p:par>
+    </p:tnLst>
+  </p:timing>
 </p:sld>
 </file>
 
